--- a/docs/LuxCar.pptx
+++ b/docs/LuxCar.pptx
@@ -9,19 +9,19 @@
     <p:sldId id="257" r:id="rId3"/>
     <p:sldId id="258" r:id="rId4"/>
     <p:sldId id="259" r:id="rId5"/>
-    <p:sldId id="260" r:id="rId6"/>
-    <p:sldId id="261" r:id="rId7"/>
-    <p:sldId id="262" r:id="rId8"/>
-    <p:sldId id="263" r:id="rId9"/>
-    <p:sldId id="264" r:id="rId10"/>
-    <p:sldId id="265" r:id="rId11"/>
-    <p:sldId id="266" r:id="rId12"/>
-    <p:sldId id="268" r:id="rId13"/>
-    <p:sldId id="267" r:id="rId14"/>
-    <p:sldId id="269" r:id="rId15"/>
-    <p:sldId id="270" r:id="rId16"/>
-    <p:sldId id="271" r:id="rId17"/>
-    <p:sldId id="272" r:id="rId18"/>
+    <p:sldId id="270" r:id="rId6"/>
+    <p:sldId id="271" r:id="rId7"/>
+    <p:sldId id="261" r:id="rId8"/>
+    <p:sldId id="272" r:id="rId9"/>
+    <p:sldId id="260" r:id="rId10"/>
+    <p:sldId id="262" r:id="rId11"/>
+    <p:sldId id="263" r:id="rId12"/>
+    <p:sldId id="264" r:id="rId13"/>
+    <p:sldId id="265" r:id="rId14"/>
+    <p:sldId id="266" r:id="rId15"/>
+    <p:sldId id="268" r:id="rId16"/>
+    <p:sldId id="267" r:id="rId17"/>
+    <p:sldId id="269" r:id="rId18"/>
     <p:sldId id="275" r:id="rId19"/>
     <p:sldId id="274" r:id="rId20"/>
     <p:sldId id="278" r:id="rId21"/>
@@ -127,6 +127,11 @@
       </a:defRPr>
     </a:lvl9pPr>
   </p:defaultTextStyle>
+  <p:extLst>
+    <p:ext uri="{EFAFB233-063F-42B5-8137-9DF3F51BA10A}">
+      <p15:sldGuideLst xmlns:p15="http://schemas.microsoft.com/office/powerpoint/2012/main"/>
+    </p:ext>
+  </p:extLst>
 </p:presentation>
 </file>
 
@@ -321,7 +326,7 @@
           <a:p>
             <a:fld id="{2B72D343-7BC5-4580-84D1-6ABE2F79E7F6}" type="datetimeFigureOut">
               <a:rPr lang="en-AU" smtClean="0"/>
-              <a:t>3/05/2023</a:t>
+              <a:t>4/05/2023</a:t>
             </a:fld>
             <a:endParaRPr lang="en-AU"/>
           </a:p>
@@ -757,7 +762,7 @@
           <a:p>
             <a:fld id="{2B72D343-7BC5-4580-84D1-6ABE2F79E7F6}" type="datetimeFigureOut">
               <a:rPr lang="en-AU" smtClean="0"/>
-              <a:t>3/05/2023</a:t>
+              <a:t>4/05/2023</a:t>
             </a:fld>
             <a:endParaRPr lang="en-AU"/>
           </a:p>
@@ -1007,7 +1012,7 @@
           <a:p>
             <a:fld id="{2B72D343-7BC5-4580-84D1-6ABE2F79E7F6}" type="datetimeFigureOut">
               <a:rPr lang="en-AU" smtClean="0"/>
-              <a:t>3/05/2023</a:t>
+              <a:t>4/05/2023</a:t>
             </a:fld>
             <a:endParaRPr lang="en-AU"/>
           </a:p>
@@ -1315,7 +1320,7 @@
           <a:p>
             <a:fld id="{2B72D343-7BC5-4580-84D1-6ABE2F79E7F6}" type="datetimeFigureOut">
               <a:rPr lang="en-AU" smtClean="0"/>
-              <a:t>3/05/2023</a:t>
+              <a:t>4/05/2023</a:t>
             </a:fld>
             <a:endParaRPr lang="en-AU"/>
           </a:p>
@@ -1633,7 +1638,7 @@
           <a:p>
             <a:fld id="{2B72D343-7BC5-4580-84D1-6ABE2F79E7F6}" type="datetimeFigureOut">
               <a:rPr lang="en-AU" smtClean="0"/>
-              <a:t>3/05/2023</a:t>
+              <a:t>4/05/2023</a:t>
             </a:fld>
             <a:endParaRPr lang="en-AU"/>
           </a:p>
@@ -1935,7 +1940,7 @@
           <a:p>
             <a:fld id="{2B72D343-7BC5-4580-84D1-6ABE2F79E7F6}" type="datetimeFigureOut">
               <a:rPr lang="en-AU" smtClean="0"/>
-              <a:t>3/05/2023</a:t>
+              <a:t>4/05/2023</a:t>
             </a:fld>
             <a:endParaRPr lang="en-AU"/>
           </a:p>
@@ -2302,7 +2307,7 @@
           <a:p>
             <a:fld id="{2B72D343-7BC5-4580-84D1-6ABE2F79E7F6}" type="datetimeFigureOut">
               <a:rPr lang="en-AU" smtClean="0"/>
-              <a:t>3/05/2023</a:t>
+              <a:t>4/05/2023</a:t>
             </a:fld>
             <a:endParaRPr lang="en-AU"/>
           </a:p>
@@ -2476,7 +2481,7 @@
           <a:p>
             <a:fld id="{2B72D343-7BC5-4580-84D1-6ABE2F79E7F6}" type="datetimeFigureOut">
               <a:rPr lang="en-AU" smtClean="0"/>
-              <a:t>3/05/2023</a:t>
+              <a:t>4/05/2023</a:t>
             </a:fld>
             <a:endParaRPr lang="en-AU"/>
           </a:p>
@@ -2656,7 +2661,7 @@
           <a:p>
             <a:fld id="{2B72D343-7BC5-4580-84D1-6ABE2F79E7F6}" type="datetimeFigureOut">
               <a:rPr lang="en-AU" smtClean="0"/>
-              <a:t>3/05/2023</a:t>
+              <a:t>4/05/2023</a:t>
             </a:fld>
             <a:endParaRPr lang="en-AU"/>
           </a:p>
@@ -2826,7 +2831,7 @@
           <a:p>
             <a:fld id="{2B72D343-7BC5-4580-84D1-6ABE2F79E7F6}" type="datetimeFigureOut">
               <a:rPr lang="en-AU" smtClean="0"/>
-              <a:t>3/05/2023</a:t>
+              <a:t>4/05/2023</a:t>
             </a:fld>
             <a:endParaRPr lang="en-AU"/>
           </a:p>
@@ -3076,7 +3081,7 @@
           <a:p>
             <a:fld id="{2B72D343-7BC5-4580-84D1-6ABE2F79E7F6}" type="datetimeFigureOut">
               <a:rPr lang="en-AU" smtClean="0"/>
-              <a:t>3/05/2023</a:t>
+              <a:t>4/05/2023</a:t>
             </a:fld>
             <a:endParaRPr lang="en-AU"/>
           </a:p>
@@ -3312,7 +3317,7 @@
           <a:p>
             <a:fld id="{2B72D343-7BC5-4580-84D1-6ABE2F79E7F6}" type="datetimeFigureOut">
               <a:rPr lang="en-AU" smtClean="0"/>
-              <a:t>3/05/2023</a:t>
+              <a:t>4/05/2023</a:t>
             </a:fld>
             <a:endParaRPr lang="en-AU"/>
           </a:p>
@@ -3694,7 +3699,7 @@
           <a:p>
             <a:fld id="{2B72D343-7BC5-4580-84D1-6ABE2F79E7F6}" type="datetimeFigureOut">
               <a:rPr lang="en-AU" smtClean="0"/>
-              <a:t>3/05/2023</a:t>
+              <a:t>4/05/2023</a:t>
             </a:fld>
             <a:endParaRPr lang="en-AU"/>
           </a:p>
@@ -3812,7 +3817,7 @@
           <a:p>
             <a:fld id="{2B72D343-7BC5-4580-84D1-6ABE2F79E7F6}" type="datetimeFigureOut">
               <a:rPr lang="en-AU" smtClean="0"/>
-              <a:t>3/05/2023</a:t>
+              <a:t>4/05/2023</a:t>
             </a:fld>
             <a:endParaRPr lang="en-AU"/>
           </a:p>
@@ -3907,7 +3912,7 @@
           <a:p>
             <a:fld id="{2B72D343-7BC5-4580-84D1-6ABE2F79E7F6}" type="datetimeFigureOut">
               <a:rPr lang="en-AU" smtClean="0"/>
-              <a:t>3/05/2023</a:t>
+              <a:t>4/05/2023</a:t>
             </a:fld>
             <a:endParaRPr lang="en-AU"/>
           </a:p>
@@ -4162,7 +4167,7 @@
           <a:p>
             <a:fld id="{2B72D343-7BC5-4580-84D1-6ABE2F79E7F6}" type="datetimeFigureOut">
               <a:rPr lang="en-AU" smtClean="0"/>
-              <a:t>3/05/2023</a:t>
+              <a:t>4/05/2023</a:t>
             </a:fld>
             <a:endParaRPr lang="en-AU"/>
           </a:p>
@@ -4445,7 +4450,7 @@
           <a:p>
             <a:fld id="{2B72D343-7BC5-4580-84D1-6ABE2F79E7F6}" type="datetimeFigureOut">
               <a:rPr lang="en-AU" smtClean="0"/>
-              <a:t>3/05/2023</a:t>
+              <a:t>4/05/2023</a:t>
             </a:fld>
             <a:endParaRPr lang="en-AU"/>
           </a:p>
@@ -4851,7 +4856,7 @@
           <a:p>
             <a:fld id="{2B72D343-7BC5-4580-84D1-6ABE2F79E7F6}" type="datetimeFigureOut">
               <a:rPr lang="en-AU" smtClean="0"/>
-              <a:t>3/05/2023</a:t>
+              <a:t>4/05/2023</a:t>
             </a:fld>
             <a:endParaRPr lang="en-AU"/>
           </a:p>
@@ -5509,6 +5514,678 @@
           <a:chExt cx="0" cy="0"/>
         </a:xfrm>
       </p:grpSpPr>
+      <p:sp>
+        <p:nvSpPr>
+          <p:cNvPr id="3" name="Tartalom helye 2">
+            <a:extLst>
+              <a:ext uri="{FF2B5EF4-FFF2-40B4-BE49-F238E27FC236}">
+                <a16:creationId xmlns:a16="http://schemas.microsoft.com/office/drawing/2014/main" id="{5D85D461-E45D-50DB-F538-5ACA543E6974}"/>
+              </a:ext>
+            </a:extLst>
+          </p:cNvPr>
+          <p:cNvSpPr>
+            <a:spLocks noGrp="1"/>
+          </p:cNvSpPr>
+          <p:nvPr>
+            <p:ph idx="1"/>
+          </p:nvPr>
+        </p:nvSpPr>
+        <p:spPr>
+          <a:xfrm>
+            <a:off x="569912" y="0"/>
+            <a:ext cx="5943601" cy="5308600"/>
+          </a:xfrm>
+        </p:spPr>
+        <p:txBody>
+          <a:bodyPr/>
+          <a:lstStyle/>
+          <a:p>
+            <a:pPr marL="0" indent="0">
+              <a:buNone/>
+            </a:pPr>
+            <a:r>
+              <a:rPr lang="hu-HU" sz="2800" dirty="0">
+                <a:solidFill>
+                  <a:schemeClr val="tx1"/>
+                </a:solidFill>
+              </a:rPr>
+              <a:t>Program funkciói</a:t>
+            </a:r>
+            <a:endParaRPr lang="en-AU" sz="2800" dirty="0">
+              <a:solidFill>
+                <a:schemeClr val="tx1"/>
+              </a:solidFill>
+            </a:endParaRPr>
+          </a:p>
+        </p:txBody>
+      </p:sp>
+      <p:sp>
+        <p:nvSpPr>
+          <p:cNvPr id="4" name="Szöveg helye 3">
+            <a:extLst>
+              <a:ext uri="{FF2B5EF4-FFF2-40B4-BE49-F238E27FC236}">
+                <a16:creationId xmlns:a16="http://schemas.microsoft.com/office/drawing/2014/main" id="{2C270461-AB12-81CE-3F89-9D331EB9CCDD}"/>
+              </a:ext>
+            </a:extLst>
+          </p:cNvPr>
+          <p:cNvSpPr>
+            <a:spLocks noGrp="1"/>
+          </p:cNvSpPr>
+          <p:nvPr>
+            <p:ph type="body" sz="half" idx="2"/>
+          </p:nvPr>
+        </p:nvSpPr>
+        <p:spPr>
+          <a:xfrm>
+            <a:off x="5485290" y="1757153"/>
+            <a:ext cx="5280475" cy="4474634"/>
+          </a:xfrm>
+        </p:spPr>
+        <p:txBody>
+          <a:bodyPr>
+            <a:normAutofit/>
+          </a:bodyPr>
+          <a:lstStyle/>
+          <a:p>
+            <a:pPr marL="285750" indent="-285750">
+              <a:buFont typeface="Arial" panose="020B0604020202020204" pitchFamily="34" charset="0"/>
+              <a:buChar char="•"/>
+            </a:pPr>
+            <a:r>
+              <a:rPr lang="hu-HU" sz="2200" dirty="0">
+                <a:solidFill>
+                  <a:schemeClr val="tx1"/>
+                </a:solidFill>
+              </a:rPr>
+              <a:t>Regisztráció, bejelentkezés, kijelentkezés</a:t>
+            </a:r>
+          </a:p>
+          <a:p>
+            <a:pPr marL="285750" indent="-285750">
+              <a:buFont typeface="Arial" panose="020B0604020202020204" pitchFamily="34" charset="0"/>
+              <a:buChar char="•"/>
+            </a:pPr>
+            <a:r>
+              <a:rPr lang="hu-HU" sz="2200" dirty="0">
+                <a:solidFill>
+                  <a:schemeClr val="tx1"/>
+                </a:solidFill>
+              </a:rPr>
+              <a:t>Keresés, szűrés az autók között</a:t>
+            </a:r>
+          </a:p>
+          <a:p>
+            <a:pPr marL="285750" indent="-285750">
+              <a:buFont typeface="Arial" panose="020B0604020202020204" pitchFamily="34" charset="0"/>
+              <a:buChar char="•"/>
+            </a:pPr>
+            <a:r>
+              <a:rPr lang="hu-HU" sz="2200" dirty="0">
+                <a:solidFill>
+                  <a:schemeClr val="tx1"/>
+                </a:solidFill>
+              </a:rPr>
+              <a:t>Bérlés</a:t>
+            </a:r>
+          </a:p>
+          <a:p>
+            <a:pPr marL="285750" indent="-285750">
+              <a:buFont typeface="Arial" panose="020B0604020202020204" pitchFamily="34" charset="0"/>
+              <a:buChar char="•"/>
+            </a:pPr>
+            <a:r>
+              <a:rPr lang="hu-HU" sz="2200" dirty="0">
+                <a:solidFill>
+                  <a:schemeClr val="tx1"/>
+                </a:solidFill>
+              </a:rPr>
+              <a:t>Kölcsönzés részletes megtekintése</a:t>
+            </a:r>
+          </a:p>
+          <a:p>
+            <a:pPr marL="285750" indent="-285750">
+              <a:buFont typeface="Arial" panose="020B0604020202020204" pitchFamily="34" charset="0"/>
+              <a:buChar char="•"/>
+            </a:pPr>
+            <a:r>
+              <a:rPr lang="hu-HU" sz="2200" dirty="0">
+                <a:solidFill>
+                  <a:schemeClr val="tx1"/>
+                </a:solidFill>
+              </a:rPr>
+              <a:t>Felhasználói profil megtekintése</a:t>
+            </a:r>
+            <a:endParaRPr lang="en-AU" sz="2200" dirty="0">
+              <a:solidFill>
+                <a:schemeClr val="tx1"/>
+              </a:solidFill>
+            </a:endParaRPr>
+          </a:p>
+        </p:txBody>
+      </p:sp>
+    </p:spTree>
+    <p:extLst>
+      <p:ext uri="{BB962C8B-B14F-4D97-AF65-F5344CB8AC3E}">
+        <p14:creationId xmlns:p14="http://schemas.microsoft.com/office/powerpoint/2010/main" val="466283821"/>
+      </p:ext>
+    </p:extLst>
+  </p:cSld>
+  <p:clrMapOvr>
+    <a:masterClrMapping/>
+  </p:clrMapOvr>
+</p:sld>
+</file>
+
+<file path=ppt/slides/slide11.xml><?xml version="1.0" encoding="utf-8"?>
+<p:sld xmlns:a="http://schemas.openxmlformats.org/drawingml/2006/main" xmlns:r="http://schemas.openxmlformats.org/officeDocument/2006/relationships" xmlns:p="http://schemas.openxmlformats.org/presentationml/2006/main">
+  <p:cSld>
+    <p:spTree>
+      <p:nvGrpSpPr>
+        <p:cNvPr id="1" name=""/>
+        <p:cNvGrpSpPr/>
+        <p:nvPr/>
+      </p:nvGrpSpPr>
+      <p:grpSpPr>
+        <a:xfrm>
+          <a:off x="0" y="0"/>
+          <a:ext cx="0" cy="0"/>
+          <a:chOff x="0" y="0"/>
+          <a:chExt cx="0" cy="0"/>
+        </a:xfrm>
+      </p:grpSpPr>
+      <p:sp>
+        <p:nvSpPr>
+          <p:cNvPr id="3" name="Tartalom helye 2">
+            <a:extLst>
+              <a:ext uri="{FF2B5EF4-FFF2-40B4-BE49-F238E27FC236}">
+                <a16:creationId xmlns:a16="http://schemas.microsoft.com/office/drawing/2014/main" id="{BA17CC4A-9770-E4F9-FAFA-8CAD65AFC30C}"/>
+              </a:ext>
+            </a:extLst>
+          </p:cNvPr>
+          <p:cNvSpPr>
+            <a:spLocks noGrp="1"/>
+          </p:cNvSpPr>
+          <p:nvPr>
+            <p:ph idx="1"/>
+          </p:nvPr>
+        </p:nvSpPr>
+        <p:spPr>
+          <a:xfrm>
+            <a:off x="493712" y="0"/>
+            <a:ext cx="5943601" cy="5308600"/>
+          </a:xfrm>
+        </p:spPr>
+        <p:txBody>
+          <a:bodyPr/>
+          <a:lstStyle/>
+          <a:p>
+            <a:pPr marL="0" indent="0">
+              <a:buNone/>
+            </a:pPr>
+            <a:r>
+              <a:rPr lang="hu-HU" sz="2800" dirty="0">
+                <a:solidFill>
+                  <a:schemeClr val="tx1"/>
+                </a:solidFill>
+              </a:rPr>
+              <a:t>Feladatok </a:t>
+            </a:r>
+            <a:r>
+              <a:rPr lang="en-AU" sz="2800" dirty="0">
+                <a:solidFill>
+                  <a:schemeClr val="tx1"/>
+                </a:solidFill>
+              </a:rPr>
+              <a:t>-</a:t>
+            </a:r>
+            <a:r>
+              <a:rPr lang="hu-HU" sz="2800" dirty="0">
+                <a:solidFill>
+                  <a:schemeClr val="tx1"/>
+                </a:solidFill>
+              </a:rPr>
+              <a:t> Frontend</a:t>
+            </a:r>
+          </a:p>
+        </p:txBody>
+      </p:sp>
+      <p:sp>
+        <p:nvSpPr>
+          <p:cNvPr id="4" name="Szöveg helye 3">
+            <a:extLst>
+              <a:ext uri="{FF2B5EF4-FFF2-40B4-BE49-F238E27FC236}">
+                <a16:creationId xmlns:a16="http://schemas.microsoft.com/office/drawing/2014/main" id="{13772B78-A2E7-0291-1268-D53D224C0F44}"/>
+              </a:ext>
+            </a:extLst>
+          </p:cNvPr>
+          <p:cNvSpPr>
+            <a:spLocks noGrp="1"/>
+          </p:cNvSpPr>
+          <p:nvPr>
+            <p:ph type="body" sz="half" idx="2"/>
+          </p:nvPr>
+        </p:nvSpPr>
+        <p:spPr>
+          <a:xfrm>
+            <a:off x="5504941" y="1425834"/>
+            <a:ext cx="5030788" cy="4474634"/>
+          </a:xfrm>
+        </p:spPr>
+        <p:txBody>
+          <a:bodyPr>
+            <a:normAutofit/>
+          </a:bodyPr>
+          <a:lstStyle/>
+          <a:p>
+            <a:pPr marL="285750" indent="-285750">
+              <a:buFont typeface="Arial" panose="020B0604020202020204" pitchFamily="34" charset="0"/>
+              <a:buChar char="•"/>
+            </a:pPr>
+            <a:r>
+              <a:rPr lang="hu-HU" sz="2200" dirty="0">
+                <a:solidFill>
+                  <a:schemeClr val="tx1"/>
+                </a:solidFill>
+              </a:rPr>
+              <a:t>Varga Márk Tamás</a:t>
+            </a:r>
+          </a:p>
+          <a:p>
+            <a:pPr marL="742950" lvl="1" indent="-285750">
+              <a:buFont typeface="Arial" panose="020B0604020202020204" pitchFamily="34" charset="0"/>
+              <a:buChar char="•"/>
+            </a:pPr>
+            <a:r>
+              <a:rPr lang="hu-HU" sz="2200" dirty="0">
+                <a:solidFill>
+                  <a:schemeClr val="tx1"/>
+                </a:solidFill>
+              </a:rPr>
+              <a:t>Főoldal</a:t>
+            </a:r>
+          </a:p>
+          <a:p>
+            <a:pPr marL="742950" lvl="1" indent="-285750">
+              <a:buFont typeface="Arial" panose="020B0604020202020204" pitchFamily="34" charset="0"/>
+              <a:buChar char="•"/>
+            </a:pPr>
+            <a:r>
+              <a:rPr lang="hu-HU" sz="2200" dirty="0">
+                <a:solidFill>
+                  <a:schemeClr val="tx1"/>
+                </a:solidFill>
+              </a:rPr>
+              <a:t>Árjegyzék elkészítése</a:t>
+            </a:r>
+          </a:p>
+          <a:p>
+            <a:pPr marL="285750" indent="-285750">
+              <a:buFont typeface="Arial" panose="020B0604020202020204" pitchFamily="34" charset="0"/>
+              <a:buChar char="•"/>
+            </a:pPr>
+            <a:r>
+              <a:rPr lang="hu-HU" sz="2200" dirty="0">
+                <a:solidFill>
+                  <a:schemeClr val="tx1"/>
+                </a:solidFill>
+              </a:rPr>
+              <a:t>Sipos Bence</a:t>
+            </a:r>
+          </a:p>
+          <a:p>
+            <a:pPr marL="742950" lvl="1" indent="-285750">
+              <a:buFont typeface="Arial" panose="020B0604020202020204" pitchFamily="34" charset="0"/>
+              <a:buChar char="•"/>
+            </a:pPr>
+            <a:r>
+              <a:rPr lang="hu-HU" sz="2200" dirty="0">
+                <a:solidFill>
+                  <a:schemeClr val="tx1"/>
+                </a:solidFill>
+              </a:rPr>
+              <a:t>Elérhetőség</a:t>
+            </a:r>
+          </a:p>
+          <a:p>
+            <a:pPr marL="742950" lvl="1" indent="-285750">
+              <a:buFont typeface="Arial" panose="020B0604020202020204" pitchFamily="34" charset="0"/>
+              <a:buChar char="•"/>
+            </a:pPr>
+            <a:r>
+              <a:rPr lang="hu-HU" sz="2200" dirty="0">
+                <a:solidFill>
+                  <a:schemeClr val="tx1"/>
+                </a:solidFill>
+              </a:rPr>
+              <a:t>Autóink oldala</a:t>
+            </a:r>
+          </a:p>
+          <a:p>
+            <a:pPr marL="285750" indent="-285750">
+              <a:buFont typeface="Arial" panose="020B0604020202020204" pitchFamily="34" charset="0"/>
+              <a:buChar char="•"/>
+            </a:pPr>
+            <a:r>
+              <a:rPr lang="hu-HU" sz="2200" dirty="0">
+                <a:solidFill>
+                  <a:schemeClr val="tx1"/>
+                </a:solidFill>
+              </a:rPr>
+              <a:t>Gyulai Bence Krisztián</a:t>
+            </a:r>
+          </a:p>
+          <a:p>
+            <a:pPr marL="742950" lvl="1" indent="-285750">
+              <a:buFont typeface="Arial" panose="020B0604020202020204" pitchFamily="34" charset="0"/>
+              <a:buChar char="•"/>
+            </a:pPr>
+            <a:r>
+              <a:rPr lang="hu-HU" sz="2200" dirty="0">
+                <a:solidFill>
+                  <a:schemeClr val="tx1"/>
+                </a:solidFill>
+              </a:rPr>
+              <a:t>Bérlés, regisztráció oldala</a:t>
+            </a:r>
+          </a:p>
+          <a:p>
+            <a:pPr marL="742950" lvl="1" indent="-285750">
+              <a:buFont typeface="Arial" panose="020B0604020202020204" pitchFamily="34" charset="0"/>
+              <a:buChar char="•"/>
+            </a:pPr>
+            <a:r>
+              <a:rPr lang="hu-HU" sz="2200" dirty="0">
+                <a:solidFill>
+                  <a:schemeClr val="tx1"/>
+                </a:solidFill>
+              </a:rPr>
+              <a:t>Bejelentkezés oldala</a:t>
+            </a:r>
+            <a:endParaRPr lang="en-AU" sz="2200" dirty="0">
+              <a:solidFill>
+                <a:schemeClr val="tx1"/>
+              </a:solidFill>
+            </a:endParaRPr>
+          </a:p>
+        </p:txBody>
+      </p:sp>
+    </p:spTree>
+    <p:extLst>
+      <p:ext uri="{BB962C8B-B14F-4D97-AF65-F5344CB8AC3E}">
+        <p14:creationId xmlns:p14="http://schemas.microsoft.com/office/powerpoint/2010/main" val="3656373605"/>
+      </p:ext>
+    </p:extLst>
+  </p:cSld>
+  <p:clrMapOvr>
+    <a:masterClrMapping/>
+  </p:clrMapOvr>
+</p:sld>
+</file>
+
+<file path=ppt/slides/slide12.xml><?xml version="1.0" encoding="utf-8"?>
+<p:sld xmlns:a="http://schemas.openxmlformats.org/drawingml/2006/main" xmlns:r="http://schemas.openxmlformats.org/officeDocument/2006/relationships" xmlns:p="http://schemas.openxmlformats.org/presentationml/2006/main">
+  <p:cSld>
+    <p:spTree>
+      <p:nvGrpSpPr>
+        <p:cNvPr id="1" name=""/>
+        <p:cNvGrpSpPr/>
+        <p:nvPr/>
+      </p:nvGrpSpPr>
+      <p:grpSpPr>
+        <a:xfrm>
+          <a:off x="0" y="0"/>
+          <a:ext cx="0" cy="0"/>
+          <a:chOff x="0" y="0"/>
+          <a:chExt cx="0" cy="0"/>
+        </a:xfrm>
+      </p:grpSpPr>
+      <p:sp>
+        <p:nvSpPr>
+          <p:cNvPr id="3" name="Tartalom helye 2">
+            <a:extLst>
+              <a:ext uri="{FF2B5EF4-FFF2-40B4-BE49-F238E27FC236}">
+                <a16:creationId xmlns:a16="http://schemas.microsoft.com/office/drawing/2014/main" id="{B7CF3A8C-57C7-9A0B-50E3-C51E20DD4BAF}"/>
+              </a:ext>
+            </a:extLst>
+          </p:cNvPr>
+          <p:cNvSpPr>
+            <a:spLocks noGrp="1"/>
+          </p:cNvSpPr>
+          <p:nvPr>
+            <p:ph idx="1"/>
+          </p:nvPr>
+        </p:nvSpPr>
+        <p:spPr>
+          <a:xfrm>
+            <a:off x="506412" y="12700"/>
+            <a:ext cx="5943601" cy="5308600"/>
+          </a:xfrm>
+        </p:spPr>
+        <p:txBody>
+          <a:bodyPr/>
+          <a:lstStyle/>
+          <a:p>
+            <a:pPr marL="0" indent="0">
+              <a:buNone/>
+            </a:pPr>
+            <a:r>
+              <a:rPr lang="hu-HU" sz="2800" dirty="0">
+                <a:solidFill>
+                  <a:schemeClr val="tx1"/>
+                </a:solidFill>
+              </a:rPr>
+              <a:t>Feladatok </a:t>
+            </a:r>
+            <a:r>
+              <a:rPr lang="en-AU" sz="2800" dirty="0">
+                <a:solidFill>
+                  <a:schemeClr val="tx1"/>
+                </a:solidFill>
+              </a:rPr>
+              <a:t>–</a:t>
+            </a:r>
+            <a:r>
+              <a:rPr lang="hu-HU" sz="2800" dirty="0">
+                <a:solidFill>
+                  <a:schemeClr val="tx1"/>
+                </a:solidFill>
+              </a:rPr>
+              <a:t> Backend</a:t>
+            </a:r>
+          </a:p>
+          <a:p>
+            <a:pPr marL="0" indent="0">
+              <a:buNone/>
+            </a:pPr>
+            <a:r>
+              <a:rPr lang="hu-HU" sz="2800" dirty="0">
+                <a:solidFill>
+                  <a:schemeClr val="tx1"/>
+                </a:solidFill>
+              </a:rPr>
+              <a:t>(Gyulai Bence Krisztián)</a:t>
+            </a:r>
+          </a:p>
+          <a:p>
+            <a:pPr marL="0" indent="0">
+              <a:buNone/>
+            </a:pPr>
+            <a:endParaRPr lang="en-AU" dirty="0"/>
+          </a:p>
+        </p:txBody>
+      </p:sp>
+      <p:sp>
+        <p:nvSpPr>
+          <p:cNvPr id="4" name="Szöveg helye 3">
+            <a:extLst>
+              <a:ext uri="{FF2B5EF4-FFF2-40B4-BE49-F238E27FC236}">
+                <a16:creationId xmlns:a16="http://schemas.microsoft.com/office/drawing/2014/main" id="{D2B9B18E-0E98-A519-E0D7-ACC0F1FFC137}"/>
+              </a:ext>
+            </a:extLst>
+          </p:cNvPr>
+          <p:cNvSpPr>
+            <a:spLocks noGrp="1"/>
+          </p:cNvSpPr>
+          <p:nvPr>
+            <p:ph type="body" sz="half" idx="2"/>
+          </p:nvPr>
+        </p:nvSpPr>
+        <p:spPr>
+          <a:xfrm>
+            <a:off x="5963578" y="1650121"/>
+            <a:ext cx="5106988" cy="4474634"/>
+          </a:xfrm>
+        </p:spPr>
+        <p:txBody>
+          <a:bodyPr>
+            <a:normAutofit/>
+          </a:bodyPr>
+          <a:lstStyle/>
+          <a:p>
+            <a:pPr marL="285750" indent="-285750">
+              <a:buFont typeface="Arial" panose="020B0604020202020204" pitchFamily="34" charset="0"/>
+              <a:buChar char="•"/>
+            </a:pPr>
+            <a:r>
+              <a:rPr lang="hu-HU" sz="2200" dirty="0">
+                <a:solidFill>
+                  <a:schemeClr val="tx1"/>
+                </a:solidFill>
+              </a:rPr>
+              <a:t>PHP</a:t>
+            </a:r>
+          </a:p>
+          <a:p>
+            <a:pPr marL="742950" lvl="1" indent="-285750">
+              <a:buFont typeface="Arial" panose="020B0604020202020204" pitchFamily="34" charset="0"/>
+              <a:buChar char="•"/>
+            </a:pPr>
+            <a:r>
+              <a:rPr lang="hu-HU" sz="2200" dirty="0" err="1">
+                <a:solidFill>
+                  <a:schemeClr val="tx1"/>
+                </a:solidFill>
+              </a:rPr>
+              <a:t>Login.php</a:t>
+            </a:r>
+            <a:endParaRPr lang="hu-HU" sz="2200" dirty="0">
+              <a:solidFill>
+                <a:schemeClr val="tx1"/>
+              </a:solidFill>
+            </a:endParaRPr>
+          </a:p>
+          <a:p>
+            <a:pPr marL="742950" lvl="1" indent="-285750">
+              <a:buFont typeface="Arial" panose="020B0604020202020204" pitchFamily="34" charset="0"/>
+              <a:buChar char="•"/>
+            </a:pPr>
+            <a:r>
+              <a:rPr lang="hu-HU" sz="2200" dirty="0" err="1">
+                <a:solidFill>
+                  <a:schemeClr val="tx1"/>
+                </a:solidFill>
+              </a:rPr>
+              <a:t>Register.php</a:t>
+            </a:r>
+            <a:endParaRPr lang="hu-HU" sz="2200" dirty="0">
+              <a:solidFill>
+                <a:schemeClr val="tx1"/>
+              </a:solidFill>
+            </a:endParaRPr>
+          </a:p>
+          <a:p>
+            <a:endParaRPr lang="hu-HU" sz="2200" dirty="0">
+              <a:solidFill>
+                <a:schemeClr val="tx1"/>
+              </a:solidFill>
+            </a:endParaRPr>
+          </a:p>
+          <a:p>
+            <a:pPr marL="285750" indent="-285750">
+              <a:buFont typeface="Arial" panose="020B0604020202020204" pitchFamily="34" charset="0"/>
+              <a:buChar char="•"/>
+            </a:pPr>
+            <a:r>
+              <a:rPr lang="hu-HU" sz="2200" dirty="0" err="1">
+                <a:solidFill>
+                  <a:schemeClr val="tx1"/>
+                </a:solidFill>
+              </a:rPr>
+              <a:t>Controller</a:t>
+            </a:r>
+            <a:endParaRPr lang="hu-HU" sz="2200" dirty="0">
+              <a:solidFill>
+                <a:schemeClr val="tx1"/>
+              </a:solidFill>
+            </a:endParaRPr>
+          </a:p>
+          <a:p>
+            <a:pPr marL="742950" lvl="1" indent="-285750">
+              <a:buFont typeface="Arial" panose="020B0604020202020204" pitchFamily="34" charset="0"/>
+              <a:buChar char="•"/>
+            </a:pPr>
+            <a:r>
+              <a:rPr lang="hu-HU" sz="2200" dirty="0" err="1">
+                <a:solidFill>
+                  <a:schemeClr val="tx1"/>
+                </a:solidFill>
+              </a:rPr>
+              <a:t>Register</a:t>
+            </a:r>
+            <a:r>
+              <a:rPr lang="hu-HU" sz="2200" dirty="0">
+                <a:solidFill>
+                  <a:schemeClr val="tx1"/>
+                </a:solidFill>
+              </a:rPr>
+              <a:t> </a:t>
+            </a:r>
+            <a:r>
+              <a:rPr lang="hu-HU" sz="2200" dirty="0" err="1">
+                <a:solidFill>
+                  <a:schemeClr val="tx1"/>
+                </a:solidFill>
+              </a:rPr>
+              <a:t>controller</a:t>
+            </a:r>
+            <a:endParaRPr lang="hu-HU" sz="2200" dirty="0">
+              <a:solidFill>
+                <a:schemeClr val="tx1"/>
+              </a:solidFill>
+            </a:endParaRPr>
+          </a:p>
+        </p:txBody>
+      </p:sp>
+    </p:spTree>
+    <p:extLst>
+      <p:ext uri="{BB962C8B-B14F-4D97-AF65-F5344CB8AC3E}">
+        <p14:creationId xmlns:p14="http://schemas.microsoft.com/office/powerpoint/2010/main" val="3199671603"/>
+      </p:ext>
+    </p:extLst>
+  </p:cSld>
+  <p:clrMapOvr>
+    <a:masterClrMapping/>
+  </p:clrMapOvr>
+</p:sld>
+</file>
+
+<file path=ppt/slides/slide13.xml><?xml version="1.0" encoding="utf-8"?>
+<p:sld xmlns:a="http://schemas.openxmlformats.org/drawingml/2006/main" xmlns:r="http://schemas.openxmlformats.org/officeDocument/2006/relationships" xmlns:p="http://schemas.openxmlformats.org/presentationml/2006/main">
+  <p:cSld>
+    <p:spTree>
+      <p:nvGrpSpPr>
+        <p:cNvPr id="1" name=""/>
+        <p:cNvGrpSpPr/>
+        <p:nvPr/>
+      </p:nvGrpSpPr>
+      <p:grpSpPr>
+        <a:xfrm>
+          <a:off x="0" y="0"/>
+          <a:ext cx="0" cy="0"/>
+          <a:chOff x="0" y="0"/>
+          <a:chExt cx="0" cy="0"/>
+        </a:xfrm>
+      </p:grpSpPr>
       <p:pic>
         <p:nvPicPr>
           <p:cNvPr id="6" name="Tartalom helye 5" descr="A képen szöveg látható">
@@ -5598,7 +6275,7 @@
 </p:sld>
 </file>
 
-<file path=ppt/slides/slide11.xml><?xml version="1.0" encoding="utf-8"?>
+<file path=ppt/slides/slide14.xml><?xml version="1.0" encoding="utf-8"?>
 <p:sld xmlns:a="http://schemas.openxmlformats.org/drawingml/2006/main" xmlns:r="http://schemas.openxmlformats.org/officeDocument/2006/relationships" xmlns:p="http://schemas.openxmlformats.org/presentationml/2006/main">
   <p:cSld>
     <p:spTree>
@@ -5708,12 +6385,14 @@
         </p:nvSpPr>
         <p:spPr>
           <a:xfrm>
-            <a:off x="7085012" y="2383366"/>
+            <a:off x="5549511" y="1701880"/>
             <a:ext cx="5106988" cy="4474634"/>
           </a:xfrm>
         </p:spPr>
         <p:txBody>
-          <a:bodyPr/>
+          <a:bodyPr>
+            <a:normAutofit/>
+          </a:bodyPr>
           <a:lstStyle/>
           <a:p>
             <a:pPr marL="285750" indent="-285750">
@@ -5721,7 +6400,7 @@
               <a:buChar char="•"/>
             </a:pPr>
             <a:r>
-              <a:rPr lang="hu-HU" sz="1400" dirty="0">
+              <a:rPr lang="hu-HU" sz="2200" dirty="0">
                 <a:solidFill>
                   <a:schemeClr val="tx1"/>
                 </a:solidFill>
@@ -5735,14 +6414,14 @@
               <a:buChar char="•"/>
             </a:pPr>
             <a:r>
-              <a:rPr lang="hu-HU" sz="1100" dirty="0" err="1">
-                <a:solidFill>
-                  <a:schemeClr val="tx1"/>
-                </a:solidFill>
-              </a:rPr>
-              <a:t>getcars.php</a:t>
-            </a:r>
-            <a:endParaRPr lang="hu-HU" sz="1100" dirty="0">
+              <a:rPr lang="hu-HU" sz="2200" dirty="0" err="1">
+                <a:solidFill>
+                  <a:schemeClr val="tx1"/>
+                </a:solidFill>
+              </a:rPr>
+              <a:t>Getcars.php</a:t>
+            </a:r>
+            <a:endParaRPr lang="hu-HU" sz="2200" dirty="0">
               <a:solidFill>
                 <a:schemeClr val="tx1"/>
               </a:solidFill>
@@ -5754,21 +6433,21 @@
               <a:buChar char="•"/>
             </a:pPr>
             <a:r>
-              <a:rPr lang="hu-HU" sz="1100" dirty="0" err="1">
-                <a:solidFill>
-                  <a:schemeClr val="tx1"/>
-                </a:solidFill>
-              </a:rPr>
-              <a:t>rentcar.php</a:t>
-            </a:r>
-            <a:endParaRPr lang="hu-HU" sz="1100" dirty="0">
+              <a:rPr lang="hu-HU" sz="2200" dirty="0" err="1">
+                <a:solidFill>
+                  <a:schemeClr val="tx1"/>
+                </a:solidFill>
+              </a:rPr>
+              <a:t>Rentcar.php</a:t>
+            </a:r>
+            <a:endParaRPr lang="hu-HU" sz="2200" dirty="0">
               <a:solidFill>
                 <a:schemeClr val="tx1"/>
               </a:solidFill>
             </a:endParaRPr>
           </a:p>
           <a:p>
-            <a:endParaRPr lang="hu-HU" sz="1400" dirty="0">
+            <a:endParaRPr lang="hu-HU" sz="2200" dirty="0">
               <a:solidFill>
                 <a:schemeClr val="tx1"/>
               </a:solidFill>
@@ -5780,14 +6459,14 @@
               <a:buChar char="•"/>
             </a:pPr>
             <a:r>
-              <a:rPr lang="hu-HU" sz="1400" dirty="0" err="1">
+              <a:rPr lang="hu-HU" sz="2200" dirty="0" err="1">
                 <a:solidFill>
                   <a:schemeClr val="tx1"/>
                 </a:solidFill>
               </a:rPr>
               <a:t>Controller</a:t>
             </a:r>
-            <a:endParaRPr lang="hu-HU" sz="1400" dirty="0">
+            <a:endParaRPr lang="hu-HU" sz="2200" dirty="0">
               <a:solidFill>
                 <a:schemeClr val="tx1"/>
               </a:solidFill>
@@ -5799,7 +6478,7 @@
               <a:buChar char="•"/>
             </a:pPr>
             <a:r>
-              <a:rPr lang="hu-HU" sz="1100" dirty="0">
+              <a:rPr lang="hu-HU" sz="2200" dirty="0">
                 <a:solidFill>
                   <a:schemeClr val="tx1"/>
                 </a:solidFill>
@@ -5807,14 +6486,14 @@
               <a:t>Login </a:t>
             </a:r>
             <a:r>
-              <a:rPr lang="hu-HU" sz="1100" dirty="0" err="1">
+              <a:rPr lang="hu-HU" sz="2200" dirty="0" err="1">
                 <a:solidFill>
                   <a:schemeClr val="tx1"/>
                 </a:solidFill>
               </a:rPr>
               <a:t>controller</a:t>
             </a:r>
-            <a:endParaRPr lang="hu-HU" sz="1100" dirty="0">
+            <a:endParaRPr lang="hu-HU" sz="2200" dirty="0">
               <a:solidFill>
                 <a:schemeClr val="tx1"/>
               </a:solidFill>
@@ -5835,7 +6514,7 @@
 </p:sld>
 </file>
 
-<file path=ppt/slides/slide12.xml><?xml version="1.0" encoding="utf-8"?>
+<file path=ppt/slides/slide15.xml><?xml version="1.0" encoding="utf-8"?>
 <p:sld xmlns:a="http://schemas.openxmlformats.org/drawingml/2006/main" xmlns:r="http://schemas.openxmlformats.org/officeDocument/2006/relationships" xmlns:p="http://schemas.openxmlformats.org/presentationml/2006/main">
   <p:cSld>
     <p:spTree>
@@ -5940,7 +6619,7 @@
 </p:sld>
 </file>
 
-<file path=ppt/slides/slide13.xml><?xml version="1.0" encoding="utf-8"?>
+<file path=ppt/slides/slide16.xml><?xml version="1.0" encoding="utf-8"?>
 <p:sld xmlns:a="http://schemas.openxmlformats.org/drawingml/2006/main" xmlns:r="http://schemas.openxmlformats.org/officeDocument/2006/relationships" xmlns:p="http://schemas.openxmlformats.org/presentationml/2006/main">
   <p:cSld>
     <p:spTree>
@@ -6050,12 +6729,14 @@
         </p:nvSpPr>
         <p:spPr>
           <a:xfrm>
-            <a:off x="7085012" y="2383366"/>
+            <a:off x="5566763" y="1658747"/>
             <a:ext cx="5106988" cy="4474634"/>
           </a:xfrm>
         </p:spPr>
         <p:txBody>
-          <a:bodyPr/>
+          <a:bodyPr>
+            <a:normAutofit/>
+          </a:bodyPr>
           <a:lstStyle/>
           <a:p>
             <a:pPr marL="285750" indent="-285750">
@@ -6063,7 +6744,7 @@
               <a:buChar char="•"/>
             </a:pPr>
             <a:r>
-              <a:rPr lang="hu-HU" sz="1400" dirty="0">
+              <a:rPr lang="hu-HU" sz="2200" dirty="0">
                 <a:solidFill>
                   <a:schemeClr val="tx1"/>
                 </a:solidFill>
@@ -6077,14 +6758,14 @@
               <a:buChar char="•"/>
             </a:pPr>
             <a:r>
-              <a:rPr lang="hu-HU" sz="1100" dirty="0" err="1">
-                <a:solidFill>
-                  <a:schemeClr val="tx1"/>
-                </a:solidFill>
-              </a:rPr>
-              <a:t>Renails.php</a:t>
-            </a:r>
-            <a:endParaRPr lang="hu-HU" sz="1100" dirty="0">
+              <a:rPr lang="hu-HU" sz="2200" dirty="0" err="1">
+                <a:solidFill>
+                  <a:schemeClr val="tx1"/>
+                </a:solidFill>
+              </a:rPr>
+              <a:t>Retails.php</a:t>
+            </a:r>
+            <a:endParaRPr lang="hu-HU" sz="2200" dirty="0">
               <a:solidFill>
                 <a:schemeClr val="tx1"/>
               </a:solidFill>
@@ -6092,7 +6773,7 @@
           </a:p>
           <a:p>
             <a:pPr lvl="1"/>
-            <a:endParaRPr lang="hu-HU" sz="1400" dirty="0">
+            <a:endParaRPr lang="hu-HU" sz="2200" dirty="0">
               <a:solidFill>
                 <a:schemeClr val="tx1"/>
               </a:solidFill>
@@ -6104,7 +6785,7 @@
               <a:buChar char="•"/>
             </a:pPr>
             <a:r>
-              <a:rPr lang="en-AU" sz="1400" dirty="0">
+              <a:rPr lang="en-AU" sz="2200" dirty="0">
                 <a:solidFill>
                   <a:schemeClr val="tx1"/>
                 </a:solidFill>
@@ -6127,7 +6808,7 @@
 </p:sld>
 </file>
 
-<file path=ppt/slides/slide14.xml><?xml version="1.0" encoding="utf-8"?>
+<file path=ppt/slides/slide17.xml><?xml version="1.0" encoding="utf-8"?>
 <p:sld xmlns:a="http://schemas.openxmlformats.org/drawingml/2006/main" xmlns:r="http://schemas.openxmlformats.org/officeDocument/2006/relationships" xmlns:p="http://schemas.openxmlformats.org/presentationml/2006/main">
   <p:cSld>
     <p:spTree>
@@ -6174,8 +6855,8 @@
         </p:blipFill>
         <p:spPr>
           <a:xfrm>
-            <a:off x="1" y="0"/>
-            <a:ext cx="5924550" cy="6665120"/>
+            <a:off x="0" y="0"/>
+            <a:ext cx="6095999" cy="6858000"/>
           </a:xfrm>
           <a:ln w="38100">
             <a:solidFill>
@@ -6214,8 +6895,8 @@
         </p:blipFill>
         <p:spPr>
           <a:xfrm>
-            <a:off x="6311899" y="192880"/>
-            <a:ext cx="5753101" cy="6472240"/>
+            <a:off x="7582618" y="1773132"/>
+            <a:ext cx="2691443" cy="3027874"/>
           </a:xfrm>
           <a:ln w="76200">
             <a:solidFill>
@@ -6228,313 +6909,6 @@
     <p:extLst>
       <p:ext uri="{BB962C8B-B14F-4D97-AF65-F5344CB8AC3E}">
         <p14:creationId xmlns:p14="http://schemas.microsoft.com/office/powerpoint/2010/main" val="2949279976"/>
-      </p:ext>
-    </p:extLst>
-  </p:cSld>
-  <p:clrMapOvr>
-    <a:masterClrMapping/>
-  </p:clrMapOvr>
-</p:sld>
-</file>
-
-<file path=ppt/slides/slide15.xml><?xml version="1.0" encoding="utf-8"?>
-<p:sld xmlns:a="http://schemas.openxmlformats.org/drawingml/2006/main" xmlns:r="http://schemas.openxmlformats.org/officeDocument/2006/relationships" xmlns:p="http://schemas.openxmlformats.org/presentationml/2006/main">
-  <p:cSld>
-    <p:spTree>
-      <p:nvGrpSpPr>
-        <p:cNvPr id="1" name=""/>
-        <p:cNvGrpSpPr/>
-        <p:nvPr/>
-      </p:nvGrpSpPr>
-      <p:grpSpPr>
-        <a:xfrm>
-          <a:off x="0" y="0"/>
-          <a:ext cx="0" cy="0"/>
-          <a:chOff x="0" y="0"/>
-          <a:chExt cx="0" cy="0"/>
-        </a:xfrm>
-      </p:grpSpPr>
-      <p:sp>
-        <p:nvSpPr>
-          <p:cNvPr id="4" name="Szöveg helye 3">
-            <a:extLst>
-              <a:ext uri="{FF2B5EF4-FFF2-40B4-BE49-F238E27FC236}">
-                <a16:creationId xmlns:a16="http://schemas.microsoft.com/office/drawing/2014/main" id="{D2B9B18E-0E98-A519-E0D7-ACC0F1FFC137}"/>
-              </a:ext>
-            </a:extLst>
-          </p:cNvPr>
-          <p:cNvSpPr>
-            <a:spLocks noGrp="1"/>
-          </p:cNvSpPr>
-          <p:nvPr>
-            <p:ph type="body" sz="half" idx="2"/>
-          </p:nvPr>
-        </p:nvSpPr>
-        <p:spPr>
-          <a:xfrm>
-            <a:off x="279400" y="2717800"/>
-            <a:ext cx="4470400" cy="3429000"/>
-          </a:xfrm>
-        </p:spPr>
-        <p:txBody>
-          <a:bodyPr>
-            <a:normAutofit/>
-          </a:bodyPr>
-          <a:lstStyle/>
-          <a:p>
-            <a:pPr algn="ctr"/>
-            <a:r>
-              <a:rPr lang="hu-HU" sz="6000" dirty="0" err="1">
-                <a:solidFill>
-                  <a:schemeClr val="tx1"/>
-                </a:solidFill>
-              </a:rPr>
-              <a:t>Trello</a:t>
-            </a:r>
-            <a:endParaRPr lang="hu-HU" sz="6000" dirty="0">
-              <a:solidFill>
-                <a:schemeClr val="tx1"/>
-              </a:solidFill>
-            </a:endParaRPr>
-          </a:p>
-        </p:txBody>
-      </p:sp>
-      <p:pic>
-        <p:nvPicPr>
-          <p:cNvPr id="12" name="Tartalom helye 11">
-            <a:extLst>
-              <a:ext uri="{FF2B5EF4-FFF2-40B4-BE49-F238E27FC236}">
-                <a16:creationId xmlns:a16="http://schemas.microsoft.com/office/drawing/2014/main" id="{4D51BC52-A9A8-21C5-A166-3368BF2AE19D}"/>
-              </a:ext>
-            </a:extLst>
-          </p:cNvPr>
-          <p:cNvPicPr>
-            <a:picLocks noGrp="1" noChangeAspect="1"/>
-          </p:cNvPicPr>
-          <p:nvPr>
-            <p:ph idx="1"/>
-          </p:nvPr>
-        </p:nvPicPr>
-        <p:blipFill>
-          <a:blip r:embed="rId2"/>
-          <a:stretch>
-            <a:fillRect/>
-          </a:stretch>
-        </p:blipFill>
-        <p:spPr>
-          <a:xfrm>
-            <a:off x="5106988" y="0"/>
-            <a:ext cx="7085012" cy="6858000"/>
-          </a:xfrm>
-        </p:spPr>
-      </p:pic>
-    </p:spTree>
-    <p:extLst>
-      <p:ext uri="{BB962C8B-B14F-4D97-AF65-F5344CB8AC3E}">
-        <p14:creationId xmlns:p14="http://schemas.microsoft.com/office/powerpoint/2010/main" val="2558284352"/>
-      </p:ext>
-    </p:extLst>
-  </p:cSld>
-  <p:clrMapOvr>
-    <a:masterClrMapping/>
-  </p:clrMapOvr>
-</p:sld>
-</file>
-
-<file path=ppt/slides/slide16.xml><?xml version="1.0" encoding="utf-8"?>
-<p:sld xmlns:a="http://schemas.openxmlformats.org/drawingml/2006/main" xmlns:r="http://schemas.openxmlformats.org/officeDocument/2006/relationships" xmlns:p="http://schemas.openxmlformats.org/presentationml/2006/main">
-  <p:cSld>
-    <p:spTree>
-      <p:nvGrpSpPr>
-        <p:cNvPr id="1" name=""/>
-        <p:cNvGrpSpPr/>
-        <p:nvPr/>
-      </p:nvGrpSpPr>
-      <p:grpSpPr>
-        <a:xfrm>
-          <a:off x="0" y="0"/>
-          <a:ext cx="0" cy="0"/>
-          <a:chOff x="0" y="0"/>
-          <a:chExt cx="0" cy="0"/>
-        </a:xfrm>
-      </p:grpSpPr>
-      <p:sp>
-        <p:nvSpPr>
-          <p:cNvPr id="4" name="Szöveg helye 3">
-            <a:extLst>
-              <a:ext uri="{FF2B5EF4-FFF2-40B4-BE49-F238E27FC236}">
-                <a16:creationId xmlns:a16="http://schemas.microsoft.com/office/drawing/2014/main" id="{D2B9B18E-0E98-A519-E0D7-ACC0F1FFC137}"/>
-              </a:ext>
-            </a:extLst>
-          </p:cNvPr>
-          <p:cNvSpPr>
-            <a:spLocks noGrp="1"/>
-          </p:cNvSpPr>
-          <p:nvPr>
-            <p:ph type="body" sz="half" idx="2"/>
-          </p:nvPr>
-        </p:nvSpPr>
-        <p:spPr>
-          <a:xfrm>
-            <a:off x="279400" y="2717800"/>
-            <a:ext cx="4470400" cy="3429000"/>
-          </a:xfrm>
-        </p:spPr>
-        <p:txBody>
-          <a:bodyPr>
-            <a:normAutofit/>
-          </a:bodyPr>
-          <a:lstStyle/>
-          <a:p>
-            <a:pPr algn="ctr"/>
-            <a:r>
-              <a:rPr lang="hu-HU" sz="6000" dirty="0" err="1">
-                <a:solidFill>
-                  <a:schemeClr val="tx1"/>
-                </a:solidFill>
-              </a:rPr>
-              <a:t>Figma</a:t>
-            </a:r>
-            <a:endParaRPr lang="hu-HU" sz="6000" dirty="0">
-              <a:solidFill>
-                <a:schemeClr val="tx1"/>
-              </a:solidFill>
-            </a:endParaRPr>
-          </a:p>
-        </p:txBody>
-      </p:sp>
-      <p:pic>
-        <p:nvPicPr>
-          <p:cNvPr id="6" name="Tartalom helye 5">
-            <a:extLst>
-              <a:ext uri="{FF2B5EF4-FFF2-40B4-BE49-F238E27FC236}">
-                <a16:creationId xmlns:a16="http://schemas.microsoft.com/office/drawing/2014/main" id="{B45EFA24-1077-1721-BBC5-C64D123F94F0}"/>
-              </a:ext>
-            </a:extLst>
-          </p:cNvPr>
-          <p:cNvPicPr>
-            <a:picLocks noGrp="1" noChangeAspect="1"/>
-          </p:cNvPicPr>
-          <p:nvPr>
-            <p:ph idx="1"/>
-          </p:nvPr>
-        </p:nvPicPr>
-        <p:blipFill>
-          <a:blip r:embed="rId2"/>
-          <a:stretch>
-            <a:fillRect/>
-          </a:stretch>
-        </p:blipFill>
-        <p:spPr>
-          <a:xfrm>
-            <a:off x="6096000" y="0"/>
-            <a:ext cx="6096000" cy="6858000"/>
-          </a:xfrm>
-        </p:spPr>
-      </p:pic>
-    </p:spTree>
-    <p:extLst>
-      <p:ext uri="{BB962C8B-B14F-4D97-AF65-F5344CB8AC3E}">
-        <p14:creationId xmlns:p14="http://schemas.microsoft.com/office/powerpoint/2010/main" val="237633051"/>
-      </p:ext>
-    </p:extLst>
-  </p:cSld>
-  <p:clrMapOvr>
-    <a:masterClrMapping/>
-  </p:clrMapOvr>
-</p:sld>
-</file>
-
-<file path=ppt/slides/slide17.xml><?xml version="1.0" encoding="utf-8"?>
-<p:sld xmlns:a="http://schemas.openxmlformats.org/drawingml/2006/main" xmlns:r="http://schemas.openxmlformats.org/officeDocument/2006/relationships" xmlns:p="http://schemas.openxmlformats.org/presentationml/2006/main">
-  <p:cSld>
-    <p:spTree>
-      <p:nvGrpSpPr>
-        <p:cNvPr id="1" name=""/>
-        <p:cNvGrpSpPr/>
-        <p:nvPr/>
-      </p:nvGrpSpPr>
-      <p:grpSpPr>
-        <a:xfrm>
-          <a:off x="0" y="0"/>
-          <a:ext cx="0" cy="0"/>
-          <a:chOff x="0" y="0"/>
-          <a:chExt cx="0" cy="0"/>
-        </a:xfrm>
-      </p:grpSpPr>
-      <p:sp>
-        <p:nvSpPr>
-          <p:cNvPr id="4" name="Szöveg helye 3">
-            <a:extLst>
-              <a:ext uri="{FF2B5EF4-FFF2-40B4-BE49-F238E27FC236}">
-                <a16:creationId xmlns:a16="http://schemas.microsoft.com/office/drawing/2014/main" id="{D2B9B18E-0E98-A519-E0D7-ACC0F1FFC137}"/>
-              </a:ext>
-            </a:extLst>
-          </p:cNvPr>
-          <p:cNvSpPr>
-            <a:spLocks noGrp="1"/>
-          </p:cNvSpPr>
-          <p:nvPr>
-            <p:ph type="body" sz="half" idx="2"/>
-          </p:nvPr>
-        </p:nvSpPr>
-        <p:spPr>
-          <a:xfrm>
-            <a:off x="279400" y="2717800"/>
-            <a:ext cx="4470400" cy="3429000"/>
-          </a:xfrm>
-        </p:spPr>
-        <p:txBody>
-          <a:bodyPr>
-            <a:normAutofit/>
-          </a:bodyPr>
-          <a:lstStyle/>
-          <a:p>
-            <a:pPr algn="ctr"/>
-            <a:r>
-              <a:rPr lang="hu-HU" sz="6000" dirty="0">
-                <a:solidFill>
-                  <a:schemeClr val="tx1"/>
-                </a:solidFill>
-              </a:rPr>
-              <a:t>Adatbázis</a:t>
-            </a:r>
-          </a:p>
-        </p:txBody>
-      </p:sp>
-      <p:pic>
-        <p:nvPicPr>
-          <p:cNvPr id="6" name="Tartalom helye 5">
-            <a:extLst>
-              <a:ext uri="{FF2B5EF4-FFF2-40B4-BE49-F238E27FC236}">
-                <a16:creationId xmlns:a16="http://schemas.microsoft.com/office/drawing/2014/main" id="{B45EFA24-1077-1721-BBC5-C64D123F94F0}"/>
-              </a:ext>
-            </a:extLst>
-          </p:cNvPr>
-          <p:cNvPicPr>
-            <a:picLocks noGrp="1" noChangeAspect="1"/>
-          </p:cNvPicPr>
-          <p:nvPr>
-            <p:ph idx="1"/>
-          </p:nvPr>
-        </p:nvPicPr>
-        <p:blipFill>
-          <a:blip r:embed="rId2"/>
-          <a:stretch>
-            <a:fillRect/>
-          </a:stretch>
-        </p:blipFill>
-        <p:spPr>
-          <a:xfrm>
-            <a:off x="6096000" y="0"/>
-            <a:ext cx="6096000" cy="6858000"/>
-          </a:xfrm>
-        </p:spPr>
-      </p:pic>
-    </p:spTree>
-    <p:extLst>
-      <p:ext uri="{BB962C8B-B14F-4D97-AF65-F5344CB8AC3E}">
-        <p14:creationId xmlns:p14="http://schemas.microsoft.com/office/powerpoint/2010/main" val="479005412"/>
       </p:ext>
     </p:extLst>
   </p:cSld>
@@ -6624,12 +6998,14 @@
         </p:nvSpPr>
         <p:spPr>
           <a:xfrm>
-            <a:off x="6843712" y="2667000"/>
+            <a:off x="5368595" y="2149415"/>
             <a:ext cx="5106988" cy="4474634"/>
           </a:xfrm>
         </p:spPr>
         <p:txBody>
-          <a:bodyPr/>
+          <a:bodyPr>
+            <a:normAutofit/>
+          </a:bodyPr>
           <a:lstStyle/>
           <a:p>
             <a:pPr marL="285750" indent="-285750">
@@ -6637,7 +7013,7 @@
               <a:buChar char="•"/>
             </a:pPr>
             <a:r>
-              <a:rPr lang="hu-HU" sz="1400" dirty="0">
+              <a:rPr lang="hu-HU" sz="2200" dirty="0">
                 <a:solidFill>
                   <a:schemeClr val="tx1"/>
                 </a:solidFill>
@@ -6651,12 +7027,12 @@
               <a:buChar char="•"/>
             </a:pPr>
             <a:r>
-              <a:rPr lang="hu-HU" sz="1400" dirty="0">
-                <a:solidFill>
-                  <a:schemeClr val="tx1"/>
-                </a:solidFill>
-              </a:rPr>
-              <a:t>Mobil alkalmazás</a:t>
+              <a:rPr lang="hu-HU" sz="2200" dirty="0">
+                <a:solidFill>
+                  <a:schemeClr val="tx1"/>
+                </a:solidFill>
+              </a:rPr>
+              <a:t>Mobilalkalmazás</a:t>
             </a:r>
           </a:p>
           <a:p>
@@ -6665,7 +7041,7 @@
               <a:buChar char="•"/>
             </a:pPr>
             <a:r>
-              <a:rPr lang="hu-HU" sz="1400" dirty="0">
+              <a:rPr lang="hu-HU" sz="2200" dirty="0">
                 <a:solidFill>
                   <a:schemeClr val="tx1"/>
                 </a:solidFill>
@@ -6679,7 +7055,7 @@
               <a:buChar char="•"/>
             </a:pPr>
             <a:r>
-              <a:rPr lang="hu-HU" sz="1400" dirty="0">
+              <a:rPr lang="hu-HU" sz="2200" dirty="0">
                 <a:solidFill>
                   <a:schemeClr val="tx1"/>
                 </a:solidFill>
@@ -6749,7 +7125,7 @@
           <a:p>
             <a:pPr algn="ctr"/>
             <a:r>
-              <a:rPr lang="hu-HU" sz="6000" dirty="0">
+              <a:rPr lang="hu-HU" sz="2200" dirty="0">
                 <a:solidFill>
                   <a:schemeClr val="tx1"/>
                 </a:solidFill>
@@ -6783,7 +7159,7 @@
         </p:blipFill>
         <p:spPr>
           <a:xfrm>
-            <a:off x="3911600" y="838200"/>
+            <a:off x="3549290" y="838200"/>
             <a:ext cx="8280400" cy="5016500"/>
           </a:xfrm>
           <a:prstGeom prst="rect">
@@ -6909,7 +7285,7 @@
                   <a:schemeClr val="tx1"/>
                 </a:solidFill>
               </a:rPr>
-              <a:t>Téma választás</a:t>
+              <a:t>Témaválasztás</a:t>
             </a:r>
             <a:endParaRPr lang="en-AU" sz="2800" dirty="0">
               <a:solidFill>
@@ -6937,7 +7313,7 @@
         </p:nvSpPr>
         <p:spPr>
           <a:xfrm>
-            <a:off x="7122719" y="1615910"/>
+            <a:off x="5461699" y="1615910"/>
             <a:ext cx="4217725" cy="3700808"/>
           </a:xfrm>
           <a:noFill/>
@@ -6951,7 +7327,7 @@
               <a:buChar char="•"/>
             </a:pPr>
             <a:r>
-              <a:rPr lang="hu-HU" sz="1400" dirty="0">
+              <a:rPr lang="hu-HU" sz="2200" dirty="0">
                 <a:solidFill>
                   <a:schemeClr val="tx1"/>
                 </a:solidFill>
@@ -6965,7 +7341,7 @@
               <a:buChar char="•"/>
             </a:pPr>
             <a:r>
-              <a:rPr lang="hu-HU" sz="1400" dirty="0">
+              <a:rPr lang="hu-HU" sz="2200" dirty="0">
                 <a:solidFill>
                   <a:schemeClr val="tx1"/>
                 </a:solidFill>
@@ -6979,7 +7355,7 @@
               <a:buChar char="•"/>
             </a:pPr>
             <a:r>
-              <a:rPr lang="hu-HU" sz="1400" dirty="0">
+              <a:rPr lang="hu-HU" sz="2200" dirty="0">
                 <a:solidFill>
                   <a:schemeClr val="tx1"/>
                 </a:solidFill>
@@ -6993,12 +7369,12 @@
               <a:buChar char="•"/>
             </a:pPr>
             <a:r>
-              <a:rPr lang="hu-HU" sz="1400" dirty="0">
-                <a:solidFill>
-                  <a:schemeClr val="tx1"/>
-                </a:solidFill>
-              </a:rPr>
-              <a:t>Felhasználó barát</a:t>
+              <a:rPr lang="hu-HU" sz="2200" dirty="0">
+                <a:solidFill>
+                  <a:schemeClr val="tx1"/>
+                </a:solidFill>
+              </a:rPr>
+              <a:t>Felhasználóbarát</a:t>
             </a:r>
           </a:p>
           <a:p>
@@ -7007,7 +7383,7 @@
               <a:buChar char="•"/>
             </a:pPr>
             <a:r>
-              <a:rPr lang="hu-HU" sz="1400" dirty="0">
+              <a:rPr lang="hu-HU" sz="2200" dirty="0">
                 <a:solidFill>
                   <a:schemeClr val="tx1"/>
                 </a:solidFill>
@@ -7021,7 +7397,7 @@
               <a:buChar char="•"/>
             </a:pPr>
             <a:r>
-              <a:rPr lang="hu-HU" sz="1400" dirty="0">
+              <a:rPr lang="hu-HU" sz="2200" dirty="0">
                 <a:solidFill>
                   <a:schemeClr val="tx1"/>
                 </a:solidFill>
@@ -7035,7 +7411,7 @@
               <a:buChar char="•"/>
             </a:pPr>
             <a:r>
-              <a:rPr lang="hu-HU" sz="1400" dirty="0">
+              <a:rPr lang="hu-HU" sz="2200" dirty="0">
                 <a:solidFill>
                   <a:schemeClr val="tx1"/>
                 </a:solidFill>
@@ -7108,7 +7484,7 @@
           <a:p>
             <a:pPr algn="ctr"/>
             <a:r>
-              <a:rPr lang="hu-HU" sz="4800" dirty="0">
+              <a:rPr lang="hu-HU" sz="2800" dirty="0">
                 <a:solidFill>
                   <a:schemeClr val="tx1"/>
                 </a:solidFill>
@@ -7119,7 +7495,7 @@
           <a:p>
             <a:pPr algn="ctr"/>
             <a:r>
-              <a:rPr lang="hu-HU" sz="4800" dirty="0">
+              <a:rPr lang="hu-HU" sz="2800" dirty="0">
                 <a:solidFill>
                   <a:schemeClr val="tx1"/>
                 </a:solidFill>
@@ -7247,12 +7623,12 @@
           <a:p>
             <a:pPr algn="ctr"/>
             <a:r>
-              <a:rPr lang="hu-HU" sz="4800" dirty="0">
-                <a:solidFill>
-                  <a:schemeClr val="tx1"/>
-                </a:solidFill>
-              </a:rPr>
-              <a:t>Autó bérlés</a:t>
+              <a:rPr lang="hu-HU" sz="2800" dirty="0">
+                <a:solidFill>
+                  <a:schemeClr val="tx1"/>
+                </a:solidFill>
+              </a:rPr>
+              <a:t>Autó bérlése</a:t>
             </a:r>
           </a:p>
         </p:txBody>
@@ -7281,7 +7657,7 @@
         </p:blipFill>
         <p:spPr>
           <a:xfrm>
-            <a:off x="5308600" y="914400"/>
+            <a:off x="5194301" y="914400"/>
             <a:ext cx="6781799" cy="5029199"/>
           </a:xfrm>
           <a:prstGeom prst="rect">
@@ -7375,7 +7751,7 @@
           <a:p>
             <a:pPr algn="ctr"/>
             <a:r>
-              <a:rPr lang="hu-HU" sz="4800" dirty="0">
+              <a:rPr lang="hu-HU" sz="2800" dirty="0">
                 <a:solidFill>
                   <a:schemeClr val="tx1"/>
                 </a:solidFill>
@@ -7503,7 +7879,7 @@
           <a:p>
             <a:pPr algn="ctr"/>
             <a:r>
-              <a:rPr lang="hu-HU" sz="4800" dirty="0">
+              <a:rPr lang="hu-HU" sz="2800" dirty="0">
                 <a:solidFill>
                   <a:schemeClr val="tx1"/>
                 </a:solidFill>
@@ -7682,22 +8058,48 @@
             <p:ph type="subTitle" idx="1"/>
           </p:nvPr>
         </p:nvSpPr>
-        <p:spPr/>
-        <p:txBody>
-          <a:bodyPr/>
+        <p:spPr>
+          <a:xfrm>
+            <a:off x="684212" y="3843867"/>
+            <a:ext cx="10918316" cy="1947333"/>
+          </a:xfrm>
+        </p:spPr>
+        <p:txBody>
+          <a:bodyPr>
+            <a:noAutofit/>
+          </a:bodyPr>
           <a:lstStyle/>
           <a:p>
             <a:pPr algn="just"/>
             <a:r>
-              <a:rPr lang="hu-HU" sz="1400" dirty="0">
-                <a:solidFill>
-                  <a:schemeClr val="tx1"/>
-                </a:solidFill>
-              </a:rPr>
-              <a:t>Készíttette: Gyulai Bence Krisztián </a:t>
-            </a:r>
-            <a:r>
-              <a:rPr lang="en-AU" sz="1400" dirty="0">
+              <a:rPr lang="hu-HU" sz="2200" dirty="0">
+                <a:solidFill>
+                  <a:schemeClr val="tx1"/>
+                </a:solidFill>
+              </a:rPr>
+              <a:t>Készíttette: </a:t>
+            </a:r>
+          </a:p>
+          <a:p>
+            <a:pPr algn="just"/>
+            <a:r>
+              <a:rPr lang="hu-HU" sz="2200">
+                <a:solidFill>
+                  <a:schemeClr val="tx1"/>
+                </a:solidFill>
+              </a:rPr>
+              <a:t>		Gyulai </a:t>
+            </a:r>
+            <a:r>
+              <a:rPr lang="hu-HU" sz="2200" dirty="0">
+                <a:solidFill>
+                  <a:schemeClr val="tx1"/>
+                </a:solidFill>
+              </a:rPr>
+              <a:t>Bence Krisztián </a:t>
+            </a:r>
+            <a:r>
+              <a:rPr lang="en-AU" sz="2200" dirty="0">
                 <a:solidFill>
                   <a:schemeClr val="tx1"/>
                 </a:solidFill>
@@ -7705,7 +8107,7 @@
               <a:t>-</a:t>
             </a:r>
             <a:r>
-              <a:rPr lang="hu-HU" sz="1400" dirty="0">
+              <a:rPr lang="hu-HU" sz="2200" dirty="0">
                 <a:solidFill>
                   <a:schemeClr val="tx1"/>
                 </a:solidFill>
@@ -7713,14 +8115,14 @@
               <a:t> </a:t>
             </a:r>
             <a:r>
-              <a:rPr lang="en-AU" sz="1400" dirty="0">
+              <a:rPr lang="en-AU" sz="2200" dirty="0">
                 <a:solidFill>
                   <a:schemeClr val="tx1"/>
                 </a:solidFill>
               </a:rPr>
               <a:t>gyulai.bencekris-2018@keri.mako.hu</a:t>
             </a:r>
-            <a:endParaRPr lang="hu-HU" sz="1400" dirty="0">
+            <a:endParaRPr lang="hu-HU" sz="2200" dirty="0">
               <a:solidFill>
                 <a:schemeClr val="tx1"/>
               </a:solidFill>
@@ -7729,7 +8131,7 @@
           <a:p>
             <a:pPr algn="just"/>
             <a:r>
-              <a:rPr lang="hu-HU" sz="1400" dirty="0">
+              <a:rPr lang="hu-HU" sz="2200" dirty="0">
                 <a:solidFill>
                   <a:schemeClr val="tx1"/>
                 </a:solidFill>
@@ -7737,7 +8139,7 @@
               <a:t>		Sipos Bence </a:t>
             </a:r>
             <a:r>
-              <a:rPr lang="en-AU" sz="1400" dirty="0">
+              <a:rPr lang="en-AU" sz="2200" dirty="0">
                 <a:solidFill>
                   <a:schemeClr val="tx1"/>
                 </a:solidFill>
@@ -7745,7 +8147,7 @@
               <a:t>–</a:t>
             </a:r>
             <a:r>
-              <a:rPr lang="hu-HU" sz="1400" dirty="0">
+              <a:rPr lang="hu-HU" sz="2200" dirty="0">
                 <a:solidFill>
                   <a:schemeClr val="tx1"/>
                 </a:solidFill>
@@ -7753,7 +8155,7 @@
               <a:t> </a:t>
             </a:r>
             <a:r>
-              <a:rPr lang="hu-HU" sz="1400" dirty="0" err="1">
+              <a:rPr lang="hu-HU" sz="2200" dirty="0" err="1">
                 <a:solidFill>
                   <a:schemeClr val="tx1"/>
                 </a:solidFill>
@@ -7761,7 +8163,7 @@
               <a:t>sipos.bence</a:t>
             </a:r>
             <a:r>
-              <a:rPr lang="en-AU" sz="1400" dirty="0">
+              <a:rPr lang="en-AU" sz="2200" dirty="0">
                 <a:solidFill>
                   <a:schemeClr val="tx1"/>
                 </a:solidFill>
@@ -7769,7 +8171,7 @@
               <a:t>-</a:t>
             </a:r>
             <a:r>
-              <a:rPr lang="hu-HU" sz="1400" dirty="0">
+              <a:rPr lang="hu-HU" sz="2200" dirty="0">
                 <a:solidFill>
                   <a:schemeClr val="tx1"/>
                 </a:solidFill>
@@ -7777,7 +8179,7 @@
               <a:t>2018</a:t>
             </a:r>
             <a:r>
-              <a:rPr lang="en-AU" sz="1400" dirty="0">
+              <a:rPr lang="en-AU" sz="2200" dirty="0">
                 <a:solidFill>
                   <a:schemeClr val="tx1"/>
                 </a:solidFill>
@@ -7785,7 +8187,7 @@
               <a:t>@</a:t>
             </a:r>
             <a:r>
-              <a:rPr lang="hu-HU" sz="1400" dirty="0">
+              <a:rPr lang="hu-HU" sz="2200" dirty="0">
                 <a:solidFill>
                   <a:schemeClr val="tx1"/>
                 </a:solidFill>
@@ -7796,7 +8198,7 @@
           <a:p>
             <a:pPr algn="just"/>
             <a:r>
-              <a:rPr lang="hu-HU" sz="1400" dirty="0">
+              <a:rPr lang="hu-HU" sz="2200" dirty="0">
                 <a:solidFill>
                   <a:schemeClr val="tx1"/>
                 </a:solidFill>
@@ -7804,7 +8206,7 @@
               <a:t>		Varga Márk Tamás </a:t>
             </a:r>
             <a:r>
-              <a:rPr lang="en-AU" sz="1400" dirty="0">
+              <a:rPr lang="en-AU" sz="2200" dirty="0">
                 <a:solidFill>
                   <a:schemeClr val="tx1"/>
                 </a:solidFill>
@@ -7812,7 +8214,7 @@
               <a:t>–</a:t>
             </a:r>
             <a:r>
-              <a:rPr lang="hu-HU" sz="1400" dirty="0">
+              <a:rPr lang="hu-HU" sz="2200" dirty="0">
                 <a:solidFill>
                   <a:schemeClr val="tx1"/>
                 </a:solidFill>
@@ -7820,7 +8222,7 @@
               <a:t> </a:t>
             </a:r>
             <a:r>
-              <a:rPr lang="hu-HU" sz="1400" dirty="0" err="1">
+              <a:rPr lang="hu-HU" sz="2200" dirty="0" err="1">
                 <a:solidFill>
                   <a:schemeClr val="tx1"/>
                 </a:solidFill>
@@ -7828,7 +8230,7 @@
               <a:t>varga.marktamas</a:t>
             </a:r>
             <a:r>
-              <a:rPr lang="en-AU" sz="1400" dirty="0">
+              <a:rPr lang="en-AU" sz="2200" dirty="0">
                 <a:solidFill>
                   <a:schemeClr val="tx1"/>
                 </a:solidFill>
@@ -7836,7 +8238,7 @@
               <a:t>–</a:t>
             </a:r>
             <a:r>
-              <a:rPr lang="hu-HU" sz="1400" dirty="0">
+              <a:rPr lang="hu-HU" sz="2200" dirty="0">
                 <a:solidFill>
                   <a:schemeClr val="tx1"/>
                 </a:solidFill>
@@ -7844,7 +8246,7 @@
               <a:t>2018</a:t>
             </a:r>
             <a:r>
-              <a:rPr lang="en-AU" sz="1400" dirty="0">
+              <a:rPr lang="en-AU" sz="2200" dirty="0">
                 <a:solidFill>
                   <a:schemeClr val="tx1"/>
                 </a:solidFill>
@@ -7946,7 +8348,7 @@
                   <a:schemeClr val="tx1"/>
                 </a:solidFill>
               </a:rPr>
-              <a:t>Használt Alkalmazások</a:t>
+              <a:t>Használt alkalmazások</a:t>
             </a:r>
             <a:endParaRPr lang="en-AU" sz="2800" dirty="0">
               <a:solidFill>
@@ -7974,7 +8376,7 @@
         </p:nvSpPr>
         <p:spPr>
           <a:xfrm>
-            <a:off x="6561826" y="2507529"/>
+            <a:off x="5535283" y="1766617"/>
             <a:ext cx="5011950" cy="4128941"/>
           </a:xfrm>
         </p:spPr>
@@ -7989,7 +8391,7 @@
               <a:buChar char="•"/>
             </a:pPr>
             <a:r>
-              <a:rPr lang="hu-HU" sz="1400" dirty="0" err="1">
+              <a:rPr lang="hu-HU" sz="2200" dirty="0" err="1">
                 <a:solidFill>
                   <a:schemeClr val="tx1"/>
                 </a:solidFill>
@@ -7997,7 +8399,7 @@
               <a:t>Trello</a:t>
             </a:r>
             <a:r>
-              <a:rPr lang="hu-HU" sz="1400" dirty="0">
+              <a:rPr lang="hu-HU" sz="2200" dirty="0">
                 <a:solidFill>
                   <a:schemeClr val="tx1"/>
                 </a:solidFill>
@@ -8005,7 +8407,7 @@
               <a:t> </a:t>
             </a:r>
             <a:r>
-              <a:rPr lang="en-AU" sz="1400" dirty="0">
+              <a:rPr lang="en-AU" sz="2200" dirty="0">
                 <a:solidFill>
                   <a:schemeClr val="tx1"/>
                 </a:solidFill>
@@ -8013,7 +8415,7 @@
               <a:t>-</a:t>
             </a:r>
             <a:r>
-              <a:rPr lang="hu-HU" sz="1400" dirty="0">
+              <a:rPr lang="hu-HU" sz="2200" dirty="0">
                 <a:solidFill>
                   <a:schemeClr val="tx1"/>
                 </a:solidFill>
@@ -8021,14 +8423,14 @@
               <a:t> </a:t>
             </a:r>
             <a:r>
-              <a:rPr lang="hu-HU" sz="1400" dirty="0" err="1">
+              <a:rPr lang="hu-HU" sz="2200" dirty="0" err="1">
                 <a:solidFill>
                   <a:schemeClr val="tx1"/>
                 </a:solidFill>
               </a:rPr>
               <a:t>Projektmendezsment</a:t>
             </a:r>
-            <a:endParaRPr lang="hu-HU" sz="1400" dirty="0">
+            <a:endParaRPr lang="hu-HU" sz="2200" dirty="0">
               <a:solidFill>
                 <a:schemeClr val="tx1"/>
               </a:solidFill>
@@ -8040,7 +8442,7 @@
               <a:buChar char="•"/>
             </a:pPr>
             <a:r>
-              <a:rPr lang="en-AU" sz="1200" dirty="0">
+              <a:rPr lang="en-AU" sz="2200" dirty="0">
                 <a:solidFill>
                   <a:schemeClr val="tx1"/>
                 </a:solidFill>
@@ -8054,7 +8456,7 @@
               </a:rPr>
               <a:t>https://trello.com/b/sCA5TQfE/luxcar-project</a:t>
             </a:r>
-            <a:endParaRPr lang="hu-HU" sz="1200" dirty="0">
+            <a:endParaRPr lang="hu-HU" sz="2200" dirty="0">
               <a:solidFill>
                 <a:schemeClr val="tx1"/>
               </a:solidFill>
@@ -8066,7 +8468,7 @@
               <a:buChar char="•"/>
             </a:pPr>
             <a:r>
-              <a:rPr lang="hu-HU" sz="1400" dirty="0" err="1">
+              <a:rPr lang="hu-HU" sz="2200" dirty="0" err="1">
                 <a:solidFill>
                   <a:schemeClr val="tx1"/>
                 </a:solidFill>
@@ -8074,7 +8476,7 @@
               <a:t>Figma</a:t>
             </a:r>
             <a:r>
-              <a:rPr lang="hu-HU" sz="1400" dirty="0">
+              <a:rPr lang="hu-HU" sz="2200" dirty="0">
                 <a:solidFill>
                   <a:schemeClr val="tx1"/>
                 </a:solidFill>
@@ -8082,7 +8484,7 @@
               <a:t> </a:t>
             </a:r>
             <a:r>
-              <a:rPr lang="en-AU" sz="1400" dirty="0">
+              <a:rPr lang="en-AU" sz="2200" dirty="0">
                 <a:solidFill>
                   <a:schemeClr val="tx1"/>
                 </a:solidFill>
@@ -8090,7 +8492,7 @@
               <a:t>-</a:t>
             </a:r>
             <a:r>
-              <a:rPr lang="hu-HU" sz="1400" dirty="0">
+              <a:rPr lang="hu-HU" sz="2200" dirty="0">
                 <a:solidFill>
                   <a:schemeClr val="tx1"/>
                 </a:solidFill>
@@ -8104,7 +8506,7 @@
               <a:buChar char="•"/>
             </a:pPr>
             <a:r>
-              <a:rPr lang="hu-HU" sz="1400" dirty="0">
+              <a:rPr lang="hu-HU" sz="2200" dirty="0">
                 <a:solidFill>
                   <a:schemeClr val="tx1"/>
                 </a:solidFill>
@@ -8112,7 +8514,7 @@
               <a:t>Visual </a:t>
             </a:r>
             <a:r>
-              <a:rPr lang="hu-HU" sz="1400" dirty="0" err="1">
+              <a:rPr lang="hu-HU" sz="2200" dirty="0" err="1">
                 <a:solidFill>
                   <a:schemeClr val="tx1"/>
                 </a:solidFill>
@@ -8120,7 +8522,7 @@
               <a:t>Studio</a:t>
             </a:r>
             <a:r>
-              <a:rPr lang="hu-HU" sz="1400" dirty="0">
+              <a:rPr lang="hu-HU" sz="2200" dirty="0">
                 <a:solidFill>
                   <a:schemeClr val="tx1"/>
                 </a:solidFill>
@@ -8128,7 +8530,7 @@
               <a:t> </a:t>
             </a:r>
             <a:r>
-              <a:rPr lang="hu-HU" sz="1400" dirty="0" err="1">
+              <a:rPr lang="hu-HU" sz="2200" dirty="0" err="1">
                 <a:solidFill>
                   <a:schemeClr val="tx1"/>
                 </a:solidFill>
@@ -8136,7 +8538,7 @@
               <a:t>Code</a:t>
             </a:r>
             <a:r>
-              <a:rPr lang="hu-HU" sz="1400" dirty="0">
+              <a:rPr lang="hu-HU" sz="2200" dirty="0">
                 <a:solidFill>
                   <a:schemeClr val="tx1"/>
                 </a:solidFill>
@@ -8144,7 +8546,7 @@
               <a:t> </a:t>
             </a:r>
             <a:r>
-              <a:rPr lang="en-AU" sz="1400" dirty="0">
+              <a:rPr lang="en-AU" sz="2200" dirty="0">
                 <a:solidFill>
                   <a:schemeClr val="tx1"/>
                 </a:solidFill>
@@ -8152,7 +8554,7 @@
               <a:t>-</a:t>
             </a:r>
             <a:r>
-              <a:rPr lang="hu-HU" sz="1400" dirty="0">
+              <a:rPr lang="hu-HU" sz="2200" dirty="0">
                 <a:solidFill>
                   <a:schemeClr val="tx1"/>
                 </a:solidFill>
@@ -8166,7 +8568,7 @@
               <a:buChar char="•"/>
             </a:pPr>
             <a:r>
-              <a:rPr lang="hu-HU" sz="1400" dirty="0">
+              <a:rPr lang="hu-HU" sz="2200" dirty="0">
                 <a:solidFill>
                   <a:schemeClr val="tx1"/>
                 </a:solidFill>
@@ -8174,7 +8576,7 @@
               <a:t>GitHub </a:t>
             </a:r>
             <a:r>
-              <a:rPr lang="en-AU" sz="1400" dirty="0">
+              <a:rPr lang="en-AU" sz="2200" dirty="0">
                 <a:solidFill>
                   <a:schemeClr val="tx1"/>
                 </a:solidFill>
@@ -8182,7 +8584,7 @@
               <a:t>–</a:t>
             </a:r>
             <a:r>
-              <a:rPr lang="hu-HU" sz="1400" dirty="0">
+              <a:rPr lang="hu-HU" sz="2200" dirty="0">
                 <a:solidFill>
                   <a:schemeClr val="tx1"/>
                 </a:solidFill>
@@ -8196,7 +8598,7 @@
               <a:buChar char="•"/>
             </a:pPr>
             <a:r>
-              <a:rPr lang="hu-HU" sz="1400" dirty="0">
+              <a:rPr lang="hu-HU" sz="2200" dirty="0">
                 <a:solidFill>
                   <a:schemeClr val="tx1"/>
                 </a:solidFill>
@@ -8204,7 +8606,7 @@
               <a:t>XAMPP </a:t>
             </a:r>
             <a:r>
-              <a:rPr lang="en-AU" sz="1400" dirty="0">
+              <a:rPr lang="en-AU" sz="2200" dirty="0">
                 <a:solidFill>
                   <a:schemeClr val="tx1"/>
                 </a:solidFill>
@@ -8212,7 +8614,7 @@
               <a:t>–</a:t>
             </a:r>
             <a:r>
-              <a:rPr lang="hu-HU" sz="1400" dirty="0">
+              <a:rPr lang="hu-HU" sz="2200" dirty="0">
                 <a:solidFill>
                   <a:schemeClr val="tx1"/>
                 </a:solidFill>
@@ -8278,8 +8680,8 @@
         </p:nvSpPr>
         <p:spPr>
           <a:xfrm>
-            <a:off x="531812" y="0"/>
-            <a:ext cx="5943601" cy="5308600"/>
+            <a:off x="816485" y="1482066"/>
+            <a:ext cx="4238596" cy="3893868"/>
           </a:xfrm>
         </p:spPr>
         <p:txBody>
@@ -8323,7 +8725,7 @@
         </p:nvSpPr>
         <p:spPr>
           <a:xfrm>
-            <a:off x="7123112" y="2383366"/>
+            <a:off x="5509972" y="1917540"/>
             <a:ext cx="4675188" cy="4055534"/>
           </a:xfrm>
         </p:spPr>
@@ -8336,12 +8738,36 @@
               <a:buChar char="•"/>
             </a:pPr>
             <a:r>
-              <a:rPr lang="hu-HU" sz="1400" dirty="0">
-                <a:solidFill>
-                  <a:schemeClr val="tx1"/>
-                </a:solidFill>
-              </a:rPr>
-              <a:t>Tagolás, Tisztakód </a:t>
+              <a:rPr lang="hu-HU" sz="2200" dirty="0" err="1">
+                <a:solidFill>
+                  <a:schemeClr val="tx1"/>
+                </a:solidFill>
+              </a:rPr>
+              <a:t>Trello</a:t>
+            </a:r>
+            <a:r>
+              <a:rPr lang="hu-HU" sz="2200" dirty="0">
+                <a:solidFill>
+                  <a:schemeClr val="tx1"/>
+                </a:solidFill>
+              </a:rPr>
+              <a:t> </a:t>
+            </a:r>
+            <a:r>
+              <a:rPr lang="en-AU" sz="2200" dirty="0">
+                <a:solidFill>
+                  <a:schemeClr val="tx1"/>
+                </a:solidFill>
+              </a:rPr>
+              <a:t>–</a:t>
+            </a:r>
+            <a:r>
+              <a:rPr lang="hu-HU" sz="2200" dirty="0">
+                <a:solidFill>
+                  <a:schemeClr val="tx1"/>
+                </a:solidFill>
+              </a:rPr>
+              <a:t> Feladatok tervezése</a:t>
             </a:r>
           </a:p>
           <a:p>
@@ -8350,23 +8776,15 @@
               <a:buChar char="•"/>
             </a:pPr>
             <a:r>
-              <a:rPr lang="hu-HU" sz="1400" dirty="0" err="1">
-                <a:solidFill>
-                  <a:schemeClr val="tx1"/>
-                </a:solidFill>
-              </a:rPr>
-              <a:t>Trello</a:t>
-            </a:r>
-            <a:r>
-              <a:rPr lang="hu-HU" sz="1400" dirty="0">
-                <a:solidFill>
-                  <a:schemeClr val="tx1"/>
-                </a:solidFill>
-              </a:rPr>
-              <a:t> </a:t>
-            </a:r>
-            <a:r>
-              <a:rPr lang="en-AU" sz="1400" dirty="0">
+              <a:rPr lang="hu-HU" sz="2200" dirty="0">
+                <a:solidFill>
+                  <a:schemeClr val="tx1"/>
+                </a:solidFill>
+              </a:rPr>
+              <a:t>Projektvezető </a:t>
+            </a:r>
+            <a:r>
+              <a:rPr lang="en-AU" sz="2200" dirty="0">
                 <a:solidFill>
                   <a:schemeClr val="tx1"/>
                 </a:solidFill>
@@ -8374,12 +8792,12 @@
               <a:t>–</a:t>
             </a:r>
             <a:r>
-              <a:rPr lang="hu-HU" sz="1400" dirty="0">
-                <a:solidFill>
-                  <a:schemeClr val="tx1"/>
-                </a:solidFill>
-              </a:rPr>
-              <a:t> Feladatok tervezése</a:t>
+              <a:rPr lang="hu-HU" sz="2200" dirty="0">
+                <a:solidFill>
+                  <a:schemeClr val="tx1"/>
+                </a:solidFill>
+              </a:rPr>
+              <a:t> Feladatok kiosztása</a:t>
             </a:r>
           </a:p>
           <a:p>
@@ -8388,7 +8806,7 @@
               <a:buChar char="•"/>
             </a:pPr>
             <a:r>
-              <a:rPr lang="hu-HU" sz="1400" dirty="0">
+              <a:rPr lang="hu-HU" sz="2200" dirty="0">
                 <a:solidFill>
                   <a:schemeClr val="tx1"/>
                 </a:solidFill>
@@ -8402,28 +8820,12 @@
               <a:buChar char="•"/>
             </a:pPr>
             <a:r>
-              <a:rPr lang="hu-HU" sz="1400" dirty="0">
-                <a:solidFill>
-                  <a:schemeClr val="tx1"/>
-                </a:solidFill>
-              </a:rPr>
-              <a:t>Projektvezető </a:t>
-            </a:r>
-            <a:r>
-              <a:rPr lang="en-AU" sz="1400" dirty="0">
-                <a:solidFill>
-                  <a:schemeClr val="tx1"/>
-                </a:solidFill>
-              </a:rPr>
-              <a:t>–</a:t>
-            </a:r>
-            <a:r>
-              <a:rPr lang="hu-HU" sz="1400" dirty="0">
-                <a:solidFill>
-                  <a:schemeClr val="tx1"/>
-                </a:solidFill>
-              </a:rPr>
-              <a:t> Feladatok kiosztása</a:t>
+              <a:rPr lang="hu-HU" sz="2200" dirty="0">
+                <a:solidFill>
+                  <a:schemeClr val="tx1"/>
+                </a:solidFill>
+              </a:rPr>
+              <a:t>Együttműködés</a:t>
             </a:r>
           </a:p>
           <a:p>
@@ -8432,13 +8834,38 @@
               <a:buChar char="•"/>
             </a:pPr>
             <a:r>
-              <a:rPr lang="hu-HU" sz="1400" dirty="0">
+              <a:rPr lang="hu-HU" sz="2200" dirty="0">
                 <a:solidFill>
                   <a:schemeClr val="tx1"/>
                 </a:solidFill>
               </a:rPr>
               <a:t>Kommunikáció</a:t>
             </a:r>
+          </a:p>
+          <a:p>
+            <a:pPr marL="285750" indent="-285750">
+              <a:buFont typeface="Arial" panose="020B0604020202020204" pitchFamily="34" charset="0"/>
+              <a:buChar char="•"/>
+            </a:pPr>
+            <a:r>
+              <a:rPr lang="hu-HU" sz="2200" dirty="0">
+                <a:solidFill>
+                  <a:schemeClr val="tx1"/>
+                </a:solidFill>
+              </a:rPr>
+              <a:t>Tagolás, tiszta kód </a:t>
+            </a:r>
+          </a:p>
+          <a:p>
+            <a:pPr marL="285750" indent="-285750">
+              <a:buFont typeface="Arial" panose="020B0604020202020204" pitchFamily="34" charset="0"/>
+              <a:buChar char="•"/>
+            </a:pPr>
+            <a:endParaRPr lang="hu-HU" sz="2200" dirty="0">
+              <a:solidFill>
+                <a:schemeClr val="tx1"/>
+              </a:solidFill>
+            </a:endParaRPr>
           </a:p>
           <a:p>
             <a:endParaRPr lang="hu-HU" dirty="0"/>
@@ -8487,10 +8914,10 @@
       </p:grpSpPr>
       <p:sp>
         <p:nvSpPr>
-          <p:cNvPr id="3" name="Tartalom helye 2">
+          <p:cNvPr id="4" name="Szöveg helye 3">
             <a:extLst>
               <a:ext uri="{FF2B5EF4-FFF2-40B4-BE49-F238E27FC236}">
-                <a16:creationId xmlns:a16="http://schemas.microsoft.com/office/drawing/2014/main" id="{3C900156-36F5-C762-B7CC-B32E2139A082}"/>
+                <a16:creationId xmlns:a16="http://schemas.microsoft.com/office/drawing/2014/main" id="{D2B9B18E-0E98-A519-E0D7-ACC0F1FFC137}"/>
               </a:ext>
             </a:extLst>
           </p:cNvPr>
@@ -8498,31 +8925,30 @@
             <a:spLocks noGrp="1"/>
           </p:cNvSpPr>
           <p:nvPr>
-            <p:ph idx="1"/>
+            <p:ph type="body" sz="half" idx="2"/>
           </p:nvPr>
         </p:nvSpPr>
         <p:spPr>
           <a:xfrm>
-            <a:off x="582612" y="0"/>
-            <a:ext cx="5943601" cy="5308600"/>
+            <a:off x="1133416" y="2743200"/>
+            <a:ext cx="2731218" cy="3006784"/>
           </a:xfrm>
         </p:spPr>
         <p:txBody>
-          <a:bodyPr/>
-          <a:lstStyle/>
-          <a:p>
-            <a:pPr marL="0" indent="0">
-              <a:buNone/>
-            </a:pPr>
-            <a:r>
-              <a:rPr lang="hu-HU" sz="2800" dirty="0">
-                <a:solidFill>
-                  <a:schemeClr val="tx1"/>
-                </a:solidFill>
-              </a:rPr>
-              <a:t>Oldalak felépítése</a:t>
-            </a:r>
-            <a:endParaRPr lang="en-AU" sz="2800" dirty="0">
+          <a:bodyPr>
+            <a:normAutofit/>
+          </a:bodyPr>
+          <a:lstStyle/>
+          <a:p>
+            <a:r>
+              <a:rPr lang="hu-HU" sz="2800" dirty="0" err="1">
+                <a:solidFill>
+                  <a:schemeClr val="tx1"/>
+                </a:solidFill>
+              </a:rPr>
+              <a:t>Trello</a:t>
+            </a:r>
+            <a:endParaRPr lang="hu-HU" sz="2800" dirty="0">
               <a:solidFill>
                 <a:schemeClr val="tx1"/>
               </a:solidFill>
@@ -8530,212 +8956,39 @@
           </a:p>
         </p:txBody>
       </p:sp>
-      <p:sp>
-        <p:nvSpPr>
-          <p:cNvPr id="4" name="Szöveg helye 3">
+      <p:pic>
+        <p:nvPicPr>
+          <p:cNvPr id="12" name="Tartalom helye 11">
             <a:extLst>
               <a:ext uri="{FF2B5EF4-FFF2-40B4-BE49-F238E27FC236}">
-                <a16:creationId xmlns:a16="http://schemas.microsoft.com/office/drawing/2014/main" id="{6A4869CA-C9AD-5A9A-50DE-CB3263EBE694}"/>
+                <a16:creationId xmlns:a16="http://schemas.microsoft.com/office/drawing/2014/main" id="{4D51BC52-A9A8-21C5-A166-3368BF2AE19D}"/>
               </a:ext>
             </a:extLst>
           </p:cNvPr>
-          <p:cNvSpPr>
-            <a:spLocks noGrp="1"/>
-          </p:cNvSpPr>
-          <p:nvPr>
-            <p:ph type="body" sz="half" idx="2"/>
-          </p:nvPr>
-        </p:nvSpPr>
+          <p:cNvPicPr>
+            <a:picLocks noGrp="1" noChangeAspect="1"/>
+          </p:cNvPicPr>
+          <p:nvPr>
+            <p:ph idx="1"/>
+          </p:nvPr>
+        </p:nvPicPr>
+        <p:blipFill>
+          <a:blip r:embed="rId2"/>
+          <a:stretch>
+            <a:fillRect/>
+          </a:stretch>
+        </p:blipFill>
         <p:spPr>
           <a:xfrm>
-            <a:off x="6248398" y="2383366"/>
-            <a:ext cx="5943602" cy="4474634"/>
+            <a:off x="5106988" y="0"/>
+            <a:ext cx="7085012" cy="6858000"/>
           </a:xfrm>
         </p:spPr>
-        <p:txBody>
-          <a:bodyPr/>
-          <a:lstStyle/>
-          <a:p>
-            <a:pPr marL="285750" indent="-285750">
-              <a:buFont typeface="Arial" panose="020B0604020202020204" pitchFamily="34" charset="0"/>
-              <a:buChar char="•"/>
-            </a:pPr>
-            <a:r>
-              <a:rPr lang="hu-HU" dirty="0" err="1">
-                <a:solidFill>
-                  <a:srgbClr val="DBDEE1"/>
-                </a:solidFill>
-                <a:latin typeface="gg sans"/>
-              </a:rPr>
-              <a:t>Fronted</a:t>
-            </a:r>
-            <a:endParaRPr lang="hu-HU" dirty="0">
-              <a:solidFill>
-                <a:srgbClr val="DBDEE1"/>
-              </a:solidFill>
-              <a:latin typeface="gg sans"/>
-            </a:endParaRPr>
-          </a:p>
-          <a:p>
-            <a:pPr marL="742950" lvl="1" indent="-285750">
-              <a:buFont typeface="Arial" panose="020B0604020202020204" pitchFamily="34" charset="0"/>
-              <a:buChar char="•"/>
-            </a:pPr>
-            <a:r>
-              <a:rPr lang="hu-HU" sz="1600" dirty="0">
-                <a:solidFill>
-                  <a:srgbClr val="DBDEE1"/>
-                </a:solidFill>
-                <a:latin typeface="gg sans"/>
-              </a:rPr>
-              <a:t>CSS, </a:t>
-            </a:r>
-            <a:r>
-              <a:rPr lang="hu-HU" sz="1600" dirty="0" err="1">
-                <a:solidFill>
-                  <a:srgbClr val="DBDEE1"/>
-                </a:solidFill>
-                <a:latin typeface="gg sans"/>
-              </a:rPr>
-              <a:t>Bootsrap</a:t>
-            </a:r>
-            <a:endParaRPr lang="hu-HU" sz="1600" dirty="0">
-              <a:solidFill>
-                <a:srgbClr val="DBDEE1"/>
-              </a:solidFill>
-              <a:latin typeface="gg sans"/>
-            </a:endParaRPr>
-          </a:p>
-          <a:p>
-            <a:pPr marL="742950" lvl="1" indent="-285750">
-              <a:buFont typeface="Arial" panose="020B0604020202020204" pitchFamily="34" charset="0"/>
-              <a:buChar char="•"/>
-            </a:pPr>
-            <a:r>
-              <a:rPr lang="hu-HU" sz="1600" dirty="0" err="1">
-                <a:solidFill>
-                  <a:srgbClr val="DBDEE1"/>
-                </a:solidFill>
-                <a:latin typeface="gg sans"/>
-              </a:rPr>
-              <a:t>Angular</a:t>
-            </a:r>
-            <a:endParaRPr lang="hu-HU" sz="1600" dirty="0">
-              <a:solidFill>
-                <a:srgbClr val="DBDEE1"/>
-              </a:solidFill>
-              <a:latin typeface="gg sans"/>
-            </a:endParaRPr>
-          </a:p>
-          <a:p>
-            <a:pPr marL="742950" lvl="1" indent="-285750">
-              <a:buFont typeface="Arial" panose="020B0604020202020204" pitchFamily="34" charset="0"/>
-              <a:buChar char="•"/>
-            </a:pPr>
-            <a:r>
-              <a:rPr lang="hu-HU" sz="1600" dirty="0">
-                <a:solidFill>
-                  <a:srgbClr val="DBDEE1"/>
-                </a:solidFill>
-                <a:latin typeface="gg sans"/>
-              </a:rPr>
-              <a:t>HTML</a:t>
-            </a:r>
-          </a:p>
-          <a:p>
-            <a:pPr lvl="1"/>
-            <a:endParaRPr lang="hu-HU" sz="1600" dirty="0">
-              <a:solidFill>
-                <a:srgbClr val="DBDEE1"/>
-              </a:solidFill>
-              <a:latin typeface="gg sans"/>
-            </a:endParaRPr>
-          </a:p>
-          <a:p>
-            <a:pPr marL="742950" lvl="1" indent="-285750">
-              <a:buFont typeface="Arial" panose="020B0604020202020204" pitchFamily="34" charset="0"/>
-              <a:buChar char="•"/>
-            </a:pPr>
-            <a:r>
-              <a:rPr lang="hu-HU" sz="1600" dirty="0">
-                <a:solidFill>
-                  <a:srgbClr val="DBDEE1"/>
-                </a:solidFill>
-                <a:latin typeface="gg sans"/>
-              </a:rPr>
-              <a:t>Backend</a:t>
-            </a:r>
-          </a:p>
-          <a:p>
-            <a:pPr marL="742950" lvl="1" indent="-285750">
-              <a:buFont typeface="Arial" panose="020B0604020202020204" pitchFamily="34" charset="0"/>
-              <a:buChar char="•"/>
-            </a:pPr>
-            <a:r>
-              <a:rPr lang="hu-HU" sz="1600" dirty="0">
-                <a:solidFill>
-                  <a:srgbClr val="DBDEE1"/>
-                </a:solidFill>
-                <a:latin typeface="gg sans"/>
-              </a:rPr>
-              <a:t>PHP</a:t>
-            </a:r>
-          </a:p>
-          <a:p>
-            <a:pPr marL="742950" lvl="1" indent="-285750">
-              <a:buFont typeface="Arial" panose="020B0604020202020204" pitchFamily="34" charset="0"/>
-              <a:buChar char="•"/>
-            </a:pPr>
-            <a:r>
-              <a:rPr lang="hu-HU" sz="1600" dirty="0" err="1">
-                <a:solidFill>
-                  <a:srgbClr val="DBDEE1"/>
-                </a:solidFill>
-                <a:latin typeface="gg sans"/>
-              </a:rPr>
-              <a:t>MySQL</a:t>
-            </a:r>
-            <a:endParaRPr lang="hu-HU" sz="1600" dirty="0">
-              <a:solidFill>
-                <a:srgbClr val="DBDEE1"/>
-              </a:solidFill>
-              <a:latin typeface="gg sans"/>
-            </a:endParaRPr>
-          </a:p>
-          <a:p>
-            <a:pPr marL="742950" lvl="1" indent="-285750">
-              <a:buFont typeface="Arial" panose="020B0604020202020204" pitchFamily="34" charset="0"/>
-              <a:buChar char="•"/>
-            </a:pPr>
-            <a:r>
-              <a:rPr lang="hu-HU" sz="1600" dirty="0" err="1">
-                <a:solidFill>
-                  <a:srgbClr val="DBDEE1"/>
-                </a:solidFill>
-                <a:latin typeface="gg sans"/>
-              </a:rPr>
-              <a:t>Javascript</a:t>
-            </a:r>
-            <a:endParaRPr lang="hu-HU" sz="1600" dirty="0">
-              <a:solidFill>
-                <a:srgbClr val="DBDEE1"/>
-              </a:solidFill>
-              <a:latin typeface="gg sans"/>
-            </a:endParaRPr>
-          </a:p>
-          <a:p>
-            <a:pPr marL="628650" lvl="1" indent="-171450">
-              <a:buFont typeface="Wingdings" panose="05000000000000000000" pitchFamily="2" charset="2"/>
-              <a:buChar char="§"/>
-            </a:pPr>
-            <a:endParaRPr lang="hu-HU" dirty="0"/>
-          </a:p>
-        </p:txBody>
-      </p:sp>
+      </p:pic>
     </p:spTree>
     <p:extLst>
       <p:ext uri="{BB962C8B-B14F-4D97-AF65-F5344CB8AC3E}">
-        <p14:creationId xmlns:p14="http://schemas.microsoft.com/office/powerpoint/2010/main" val="2975481561"/>
+        <p14:creationId xmlns:p14="http://schemas.microsoft.com/office/powerpoint/2010/main" val="2558284352"/>
       </p:ext>
     </p:extLst>
   </p:cSld>
@@ -8764,10 +9017,10 @@
       </p:grpSpPr>
       <p:sp>
         <p:nvSpPr>
-          <p:cNvPr id="3" name="Tartalom helye 2">
+          <p:cNvPr id="4" name="Szöveg helye 3">
             <a:extLst>
               <a:ext uri="{FF2B5EF4-FFF2-40B4-BE49-F238E27FC236}">
-                <a16:creationId xmlns:a16="http://schemas.microsoft.com/office/drawing/2014/main" id="{6EE30673-5551-789B-9D20-356D6302066A}"/>
+                <a16:creationId xmlns:a16="http://schemas.microsoft.com/office/drawing/2014/main" id="{D2B9B18E-0E98-A519-E0D7-ACC0F1FFC137}"/>
               </a:ext>
             </a:extLst>
           </p:cNvPr>
@@ -8775,31 +9028,30 @@
             <a:spLocks noGrp="1"/>
           </p:cNvSpPr>
           <p:nvPr>
-            <p:ph idx="1"/>
+            <p:ph type="body" sz="half" idx="2"/>
           </p:nvPr>
         </p:nvSpPr>
         <p:spPr>
           <a:xfrm>
-            <a:off x="531812" y="0"/>
-            <a:ext cx="5943601" cy="5308600"/>
+            <a:off x="1012645" y="2795438"/>
+            <a:ext cx="4470400" cy="3429000"/>
           </a:xfrm>
         </p:spPr>
         <p:txBody>
-          <a:bodyPr/>
-          <a:lstStyle/>
-          <a:p>
-            <a:pPr marL="0" indent="0">
-              <a:buNone/>
-            </a:pPr>
-            <a:r>
-              <a:rPr lang="hu-HU" sz="2800" dirty="0">
-                <a:solidFill>
-                  <a:schemeClr val="tx1"/>
-                </a:solidFill>
-              </a:rPr>
-              <a:t>Képek</a:t>
-            </a:r>
-            <a:endParaRPr lang="en-AU" sz="2800" dirty="0">
+          <a:bodyPr>
+            <a:normAutofit/>
+          </a:bodyPr>
+          <a:lstStyle/>
+          <a:p>
+            <a:r>
+              <a:rPr lang="hu-HU" sz="2800" dirty="0" err="1">
+                <a:solidFill>
+                  <a:schemeClr val="tx1"/>
+                </a:solidFill>
+              </a:rPr>
+              <a:t>Figma</a:t>
+            </a:r>
+            <a:endParaRPr lang="hu-HU" sz="2800" dirty="0">
               <a:solidFill>
                 <a:schemeClr val="tx1"/>
               </a:solidFill>
@@ -8807,140 +9059,39 @@
           </a:p>
         </p:txBody>
       </p:sp>
-      <p:sp>
-        <p:nvSpPr>
-          <p:cNvPr id="4" name="Szöveg helye 3">
+      <p:pic>
+        <p:nvPicPr>
+          <p:cNvPr id="6" name="Tartalom helye 5">
             <a:extLst>
               <a:ext uri="{FF2B5EF4-FFF2-40B4-BE49-F238E27FC236}">
-                <a16:creationId xmlns:a16="http://schemas.microsoft.com/office/drawing/2014/main" id="{2FA93F80-CB1A-D439-6A7C-C79005870EB3}"/>
+                <a16:creationId xmlns:a16="http://schemas.microsoft.com/office/drawing/2014/main" id="{B45EFA24-1077-1721-BBC5-C64D123F94F0}"/>
               </a:ext>
             </a:extLst>
           </p:cNvPr>
-          <p:cNvSpPr>
-            <a:spLocks noGrp="1"/>
-          </p:cNvSpPr>
-          <p:nvPr>
-            <p:ph type="body" sz="half" idx="2"/>
-          </p:nvPr>
-        </p:nvSpPr>
+          <p:cNvPicPr>
+            <a:picLocks noGrp="1" noChangeAspect="1"/>
+          </p:cNvPicPr>
+          <p:nvPr>
+            <p:ph idx="1"/>
+          </p:nvPr>
+        </p:nvPicPr>
+        <p:blipFill>
+          <a:blip r:embed="rId2"/>
+          <a:stretch>
+            <a:fillRect/>
+          </a:stretch>
+        </p:blipFill>
         <p:spPr>
           <a:xfrm>
-            <a:off x="7161212" y="2383366"/>
-            <a:ext cx="5030788" cy="4474634"/>
+            <a:off x="6096000" y="0"/>
+            <a:ext cx="6096000" cy="6858000"/>
           </a:xfrm>
         </p:spPr>
-        <p:txBody>
-          <a:bodyPr/>
-          <a:lstStyle/>
-          <a:p>
-            <a:pPr marL="285750" indent="-285750">
-              <a:buFont typeface="Arial" panose="020B0604020202020204" pitchFamily="34" charset="0"/>
-              <a:buChar char="•"/>
-            </a:pPr>
-            <a:r>
-              <a:rPr lang="hu-HU" sz="1400" dirty="0">
-                <a:solidFill>
-                  <a:schemeClr val="tx1"/>
-                </a:solidFill>
-              </a:rPr>
-              <a:t>Jogtiszta Képek</a:t>
-            </a:r>
-            <a:r>
-              <a:rPr lang="en-AU" sz="1400" dirty="0">
-                <a:solidFill>
-                  <a:schemeClr val="tx1"/>
-                </a:solidFill>
-              </a:rPr>
-              <a:t>-</a:t>
-            </a:r>
-            <a:r>
-              <a:rPr lang="hu-HU" sz="1400" dirty="0">
-                <a:solidFill>
-                  <a:schemeClr val="tx1"/>
-                </a:solidFill>
-              </a:rPr>
-              <a:t> Képek keresése, letöltése</a:t>
-            </a:r>
-          </a:p>
-          <a:p>
-            <a:pPr marL="285750" indent="-285750">
-              <a:buFont typeface="Arial" panose="020B0604020202020204" pitchFamily="34" charset="0"/>
-              <a:buChar char="•"/>
-            </a:pPr>
-            <a:r>
-              <a:rPr lang="hu-HU" sz="1400" dirty="0" err="1">
-                <a:solidFill>
-                  <a:schemeClr val="tx1"/>
-                </a:solidFill>
-              </a:rPr>
-              <a:t>Optimizzila</a:t>
-            </a:r>
-            <a:r>
-              <a:rPr lang="hu-HU" sz="1400" dirty="0">
-                <a:solidFill>
-                  <a:schemeClr val="tx1"/>
-                </a:solidFill>
-              </a:rPr>
-              <a:t> </a:t>
-            </a:r>
-            <a:r>
-              <a:rPr lang="en-AU" sz="1400" dirty="0">
-                <a:solidFill>
-                  <a:schemeClr val="tx1"/>
-                </a:solidFill>
-              </a:rPr>
-              <a:t>–</a:t>
-            </a:r>
-            <a:r>
-              <a:rPr lang="hu-HU" sz="1400" dirty="0">
-                <a:solidFill>
-                  <a:schemeClr val="tx1"/>
-                </a:solidFill>
-              </a:rPr>
-              <a:t> Képek </a:t>
-            </a:r>
-            <a:r>
-              <a:rPr lang="hu-HU" sz="1400" dirty="0" err="1">
-                <a:solidFill>
-                  <a:schemeClr val="tx1"/>
-                </a:solidFill>
-              </a:rPr>
-              <a:t>komreszionálása</a:t>
-            </a:r>
-            <a:endParaRPr lang="hu-HU" sz="1400" dirty="0">
-              <a:solidFill>
-                <a:schemeClr val="tx1"/>
-              </a:solidFill>
-            </a:endParaRPr>
-          </a:p>
-          <a:p>
-            <a:pPr marL="285750" indent="-285750">
-              <a:buFont typeface="Arial" panose="020B0604020202020204" pitchFamily="34" charset="0"/>
-              <a:buChar char="•"/>
-            </a:pPr>
-            <a:r>
-              <a:rPr lang="hu-HU" sz="1400" dirty="0">
-                <a:solidFill>
-                  <a:schemeClr val="tx1"/>
-                </a:solidFill>
-              </a:rPr>
-              <a:t>Lehető legkisebb fájlok</a:t>
-            </a:r>
-          </a:p>
-          <a:p>
-            <a:endParaRPr lang="en-AU" dirty="0">
-              <a:solidFill>
-                <a:srgbClr val="DBDEE1"/>
-              </a:solidFill>
-              <a:latin typeface="gg sans"/>
-            </a:endParaRPr>
-          </a:p>
-        </p:txBody>
-      </p:sp>
+      </p:pic>
     </p:spTree>
     <p:extLst>
       <p:ext uri="{BB962C8B-B14F-4D97-AF65-F5344CB8AC3E}">
-        <p14:creationId xmlns:p14="http://schemas.microsoft.com/office/powerpoint/2010/main" val="1294483923"/>
+        <p14:creationId xmlns:p14="http://schemas.microsoft.com/office/powerpoint/2010/main" val="237633051"/>
       </p:ext>
     </p:extLst>
   </p:cSld>
@@ -8972,7 +9123,7 @@
           <p:cNvPr id="3" name="Tartalom helye 2">
             <a:extLst>
               <a:ext uri="{FF2B5EF4-FFF2-40B4-BE49-F238E27FC236}">
-                <a16:creationId xmlns:a16="http://schemas.microsoft.com/office/drawing/2014/main" id="{5D85D461-E45D-50DB-F538-5ACA543E6974}"/>
+                <a16:creationId xmlns:a16="http://schemas.microsoft.com/office/drawing/2014/main" id="{6EE30673-5551-789B-9D20-356D6302066A}"/>
               </a:ext>
             </a:extLst>
           </p:cNvPr>
@@ -8985,8 +9136,8 @@
         </p:nvSpPr>
         <p:spPr>
           <a:xfrm>
-            <a:off x="569912" y="0"/>
-            <a:ext cx="5943601" cy="5308600"/>
+            <a:off x="997639" y="2029843"/>
+            <a:ext cx="4005682" cy="2798313"/>
           </a:xfrm>
         </p:spPr>
         <p:txBody>
@@ -9002,7 +9153,7 @@
                   <a:schemeClr val="tx1"/>
                 </a:solidFill>
               </a:rPr>
-              <a:t>Program funkciói</a:t>
+              <a:t>Képek</a:t>
             </a:r>
             <a:endParaRPr lang="en-AU" sz="2800" dirty="0">
               <a:solidFill>
@@ -9017,7 +9168,7 @@
           <p:cNvPr id="4" name="Szöveg helye 3">
             <a:extLst>
               <a:ext uri="{FF2B5EF4-FFF2-40B4-BE49-F238E27FC236}">
-                <a16:creationId xmlns:a16="http://schemas.microsoft.com/office/drawing/2014/main" id="{2C270461-AB12-81CE-3F89-9D331EB9CCDD}"/>
+                <a16:creationId xmlns:a16="http://schemas.microsoft.com/office/drawing/2014/main" id="{2FA93F80-CB1A-D439-6A7C-C79005870EB3}"/>
               </a:ext>
             </a:extLst>
           </p:cNvPr>
@@ -9030,8 +9181,8 @@
         </p:nvSpPr>
         <p:spPr>
           <a:xfrm>
-            <a:off x="6831012" y="2654300"/>
-            <a:ext cx="4598988" cy="4474634"/>
+            <a:off x="5401423" y="1770890"/>
+            <a:ext cx="5476486" cy="4474634"/>
           </a:xfrm>
         </p:spPr>
         <p:txBody>
@@ -9043,12 +9194,28 @@
               <a:buChar char="•"/>
             </a:pPr>
             <a:r>
-              <a:rPr lang="hu-HU" sz="1400" dirty="0">
-                <a:solidFill>
-                  <a:schemeClr val="tx1"/>
-                </a:solidFill>
-              </a:rPr>
-              <a:t>Keresés, Szűrés az autók között</a:t>
+              <a:rPr lang="hu-HU" sz="2200" dirty="0">
+                <a:solidFill>
+                  <a:schemeClr val="tx1"/>
+                </a:solidFill>
+              </a:rPr>
+              <a:t>Jogtiszta képek </a:t>
+            </a:r>
+            <a:r>
+              <a:rPr lang="en-AU" sz="2200" dirty="0">
+                <a:solidFill>
+                  <a:schemeClr val="tx1"/>
+                </a:solidFill>
+              </a:rPr>
+              <a:t>–</a:t>
+            </a:r>
+            <a:r>
+              <a:rPr lang="hu-HU" sz="2200" dirty="0">
+                <a:solidFill>
+                  <a:schemeClr val="tx1"/>
+                </a:solidFill>
+              </a:rPr>
+              <a:t> Képek keresése, letöltése</a:t>
             </a:r>
           </a:p>
           <a:p>
@@ -9057,12 +9224,36 @@
               <a:buChar char="•"/>
             </a:pPr>
             <a:r>
-              <a:rPr lang="hu-HU" sz="1400" dirty="0">
-                <a:solidFill>
-                  <a:schemeClr val="tx1"/>
-                </a:solidFill>
-              </a:rPr>
-              <a:t>Regisztráció, kijelentkezés, bejelentkezés</a:t>
+              <a:rPr lang="hu-HU" sz="2200" dirty="0" err="1">
+                <a:solidFill>
+                  <a:schemeClr val="tx1"/>
+                </a:solidFill>
+              </a:rPr>
+              <a:t>Optimizilla</a:t>
+            </a:r>
+            <a:r>
+              <a:rPr lang="hu-HU" sz="2200" dirty="0">
+                <a:solidFill>
+                  <a:schemeClr val="tx1"/>
+                </a:solidFill>
+              </a:rPr>
+              <a:t> </a:t>
+            </a:r>
+            <a:r>
+              <a:rPr lang="en-AU" sz="2200" dirty="0">
+                <a:solidFill>
+                  <a:schemeClr val="tx1"/>
+                </a:solidFill>
+              </a:rPr>
+              <a:t>–</a:t>
+            </a:r>
+            <a:r>
+              <a:rPr lang="hu-HU" sz="2200" dirty="0">
+                <a:solidFill>
+                  <a:schemeClr val="tx1"/>
+                </a:solidFill>
+              </a:rPr>
+              <a:t> Képek kompressziója</a:t>
             </a:r>
           </a:p>
           <a:p>
@@ -9071,12 +9262,20 @@
               <a:buChar char="•"/>
             </a:pPr>
             <a:r>
-              <a:rPr lang="hu-HU" sz="1400" dirty="0">
-                <a:solidFill>
-                  <a:schemeClr val="tx1"/>
-                </a:solidFill>
-              </a:rPr>
-              <a:t>Bérlés</a:t>
+              <a:rPr lang="hu-HU" sz="2200" dirty="0" err="1">
+                <a:solidFill>
+                  <a:schemeClr val="tx1"/>
+                </a:solidFill>
+              </a:rPr>
+              <a:t>Svg</a:t>
+            </a:r>
+            <a:r>
+              <a:rPr lang="hu-HU" sz="2200" dirty="0">
+                <a:solidFill>
+                  <a:schemeClr val="tx1"/>
+                </a:solidFill>
+              </a:rPr>
+              <a:t> ikonok</a:t>
             </a:r>
           </a:p>
           <a:p>
@@ -9085,31 +9284,20 @@
               <a:buChar char="•"/>
             </a:pPr>
             <a:r>
-              <a:rPr lang="hu-HU" sz="1400" dirty="0">
-                <a:solidFill>
-                  <a:schemeClr val="tx1"/>
-                </a:solidFill>
-              </a:rPr>
-              <a:t>Kölcsönzés részletes megtekintése</a:t>
-            </a:r>
-          </a:p>
-          <a:p>
-            <a:pPr marL="285750" indent="-285750">
-              <a:buFont typeface="Arial" panose="020B0604020202020204" pitchFamily="34" charset="0"/>
-              <a:buChar char="•"/>
-            </a:pPr>
-            <a:r>
-              <a:rPr lang="hu-HU" sz="1400" dirty="0">
-                <a:solidFill>
-                  <a:schemeClr val="tx1"/>
-                </a:solidFill>
-              </a:rPr>
-              <a:t>Felhasználói profil megtekintése</a:t>
-            </a:r>
-            <a:endParaRPr lang="en-AU" sz="1400" dirty="0">
+              <a:rPr lang="hu-HU" sz="2200" dirty="0">
+                <a:solidFill>
+                  <a:schemeClr val="tx1"/>
+                </a:solidFill>
+              </a:rPr>
+              <a:t>Lehető legkisebb fájlok</a:t>
+            </a:r>
+          </a:p>
+          <a:p>
+            <a:endParaRPr lang="en-AU" dirty="0">
               <a:solidFill>
-                <a:schemeClr val="tx1"/>
+                <a:srgbClr val="DBDEE1"/>
               </a:solidFill>
+              <a:latin typeface="gg sans"/>
             </a:endParaRPr>
           </a:p>
         </p:txBody>
@@ -9117,7 +9305,7 @@
     </p:spTree>
     <p:extLst>
       <p:ext uri="{BB962C8B-B14F-4D97-AF65-F5344CB8AC3E}">
-        <p14:creationId xmlns:p14="http://schemas.microsoft.com/office/powerpoint/2010/main" val="466283821"/>
+        <p14:creationId xmlns:p14="http://schemas.microsoft.com/office/powerpoint/2010/main" val="1294483923"/>
       </p:ext>
     </p:extLst>
   </p:cSld>
@@ -9146,10 +9334,10 @@
       </p:grpSpPr>
       <p:sp>
         <p:nvSpPr>
-          <p:cNvPr id="3" name="Tartalom helye 2">
+          <p:cNvPr id="4" name="Szöveg helye 3">
             <a:extLst>
               <a:ext uri="{FF2B5EF4-FFF2-40B4-BE49-F238E27FC236}">
-                <a16:creationId xmlns:a16="http://schemas.microsoft.com/office/drawing/2014/main" id="{BA17CC4A-9770-E4F9-FAFA-8CAD65AFC30C}"/>
+                <a16:creationId xmlns:a16="http://schemas.microsoft.com/office/drawing/2014/main" id="{D2B9B18E-0E98-A519-E0D7-ACC0F1FFC137}"/>
               </a:ext>
             </a:extLst>
           </p:cNvPr>
@@ -9157,211 +9345,66 @@
             <a:spLocks noGrp="1"/>
           </p:cNvSpPr>
           <p:nvPr>
-            <p:ph idx="1"/>
+            <p:ph type="body" sz="half" idx="2"/>
           </p:nvPr>
         </p:nvSpPr>
         <p:spPr>
           <a:xfrm>
-            <a:off x="493712" y="0"/>
-            <a:ext cx="5943601" cy="5308600"/>
+            <a:off x="857369" y="2743679"/>
+            <a:ext cx="4470400" cy="3429000"/>
           </a:xfrm>
         </p:spPr>
         <p:txBody>
-          <a:bodyPr/>
-          <a:lstStyle/>
-          <a:p>
-            <a:pPr marL="0" indent="0">
-              <a:buNone/>
-            </a:pPr>
+          <a:bodyPr>
+            <a:normAutofit/>
+          </a:bodyPr>
+          <a:lstStyle/>
+          <a:p>
             <a:r>
               <a:rPr lang="hu-HU" sz="2800" dirty="0">
                 <a:solidFill>
                   <a:schemeClr val="tx1"/>
                 </a:solidFill>
               </a:rPr>
-              <a:t>Feladatok </a:t>
-            </a:r>
-            <a:r>
-              <a:rPr lang="en-AU" sz="2800" dirty="0">
-                <a:solidFill>
-                  <a:schemeClr val="tx1"/>
-                </a:solidFill>
-              </a:rPr>
-              <a:t>-</a:t>
-            </a:r>
-            <a:r>
-              <a:rPr lang="hu-HU" sz="2800" dirty="0">
-                <a:solidFill>
-                  <a:schemeClr val="tx1"/>
-                </a:solidFill>
-              </a:rPr>
-              <a:t> Frontend</a:t>
-            </a:r>
-          </a:p>
-        </p:txBody>
-      </p:sp>
-      <p:sp>
-        <p:nvSpPr>
-          <p:cNvPr id="4" name="Szöveg helye 3">
+              <a:t>Adatbázis</a:t>
+            </a:r>
+          </a:p>
+        </p:txBody>
+      </p:sp>
+      <p:pic>
+        <p:nvPicPr>
+          <p:cNvPr id="5" name="Kép 4">
             <a:extLst>
               <a:ext uri="{FF2B5EF4-FFF2-40B4-BE49-F238E27FC236}">
-                <a16:creationId xmlns:a16="http://schemas.microsoft.com/office/drawing/2014/main" id="{13772B78-A2E7-0291-1268-D53D224C0F44}"/>
+                <a16:creationId xmlns:a16="http://schemas.microsoft.com/office/drawing/2014/main" id="{C619BD76-5246-46E4-922B-7D4243F89606}"/>
               </a:ext>
             </a:extLst>
           </p:cNvPr>
-          <p:cNvSpPr>
-            <a:spLocks noGrp="1"/>
-          </p:cNvSpPr>
-          <p:nvPr>
-            <p:ph type="body" sz="half" idx="2"/>
-          </p:nvPr>
-        </p:nvSpPr>
+          <p:cNvPicPr>
+            <a:picLocks noChangeAspect="1"/>
+          </p:cNvPicPr>
+          <p:nvPr/>
+        </p:nvPicPr>
+        <p:blipFill>
+          <a:blip r:embed="rId2"/>
+          <a:stretch>
+            <a:fillRect/>
+          </a:stretch>
+        </p:blipFill>
         <p:spPr>
           <a:xfrm>
-            <a:off x="7161212" y="2383366"/>
-            <a:ext cx="5030788" cy="4474634"/>
+            <a:off x="5503608" y="785989"/>
+            <a:ext cx="4219575" cy="5495925"/>
           </a:xfrm>
+          <a:prstGeom prst="rect">
+            <a:avLst/>
+          </a:prstGeom>
         </p:spPr>
-        <p:txBody>
-          <a:bodyPr/>
-          <a:lstStyle/>
-          <a:p>
-            <a:pPr marL="285750" indent="-285750">
-              <a:buFont typeface="Arial" panose="020B0604020202020204" pitchFamily="34" charset="0"/>
-              <a:buChar char="•"/>
-            </a:pPr>
-            <a:r>
-              <a:rPr lang="hu-HU" sz="1400" dirty="0">
-                <a:solidFill>
-                  <a:schemeClr val="tx1"/>
-                </a:solidFill>
-              </a:rPr>
-              <a:t>Varga Márk Tamás</a:t>
-            </a:r>
-          </a:p>
-          <a:p>
-            <a:pPr marL="742950" lvl="1" indent="-285750">
-              <a:buFont typeface="Arial" panose="020B0604020202020204" pitchFamily="34" charset="0"/>
-              <a:buChar char="•"/>
-            </a:pPr>
-            <a:r>
-              <a:rPr lang="hu-HU" sz="1400" dirty="0">
-                <a:solidFill>
-                  <a:schemeClr val="tx1"/>
-                </a:solidFill>
-              </a:rPr>
-              <a:t>Főoldal</a:t>
-            </a:r>
-          </a:p>
-          <a:p>
-            <a:pPr marL="742950" lvl="1" indent="-285750">
-              <a:buFont typeface="Arial" panose="020B0604020202020204" pitchFamily="34" charset="0"/>
-              <a:buChar char="•"/>
-            </a:pPr>
-            <a:r>
-              <a:rPr lang="hu-HU" sz="1400" dirty="0">
-                <a:solidFill>
-                  <a:schemeClr val="tx1"/>
-                </a:solidFill>
-              </a:rPr>
-              <a:t>Árjegyzék elkészítése</a:t>
-            </a:r>
-          </a:p>
-          <a:p>
-            <a:pPr marL="285750" indent="-285750">
-              <a:buFont typeface="Arial" panose="020B0604020202020204" pitchFamily="34" charset="0"/>
-              <a:buChar char="•"/>
-            </a:pPr>
-            <a:r>
-              <a:rPr lang="hu-HU" sz="1400" dirty="0">
-                <a:solidFill>
-                  <a:schemeClr val="tx1"/>
-                </a:solidFill>
-              </a:rPr>
-              <a:t>Sipos Bence</a:t>
-            </a:r>
-          </a:p>
-          <a:p>
-            <a:pPr marL="742950" lvl="1" indent="-285750">
-              <a:buFont typeface="Arial" panose="020B0604020202020204" pitchFamily="34" charset="0"/>
-              <a:buChar char="•"/>
-            </a:pPr>
-            <a:r>
-              <a:rPr lang="hu-HU" sz="1400" dirty="0">
-                <a:solidFill>
-                  <a:schemeClr val="tx1"/>
-                </a:solidFill>
-              </a:rPr>
-              <a:t>Elérhetőség</a:t>
-            </a:r>
-          </a:p>
-          <a:p>
-            <a:pPr marL="742950" lvl="1" indent="-285750">
-              <a:buFont typeface="Arial" panose="020B0604020202020204" pitchFamily="34" charset="0"/>
-              <a:buChar char="•"/>
-            </a:pPr>
-            <a:r>
-              <a:rPr lang="hu-HU" sz="1400" dirty="0">
-                <a:solidFill>
-                  <a:schemeClr val="tx1"/>
-                </a:solidFill>
-              </a:rPr>
-              <a:t>Autóink oldala</a:t>
-            </a:r>
-          </a:p>
-          <a:p>
-            <a:pPr marL="285750" indent="-285750">
-              <a:buFont typeface="Arial" panose="020B0604020202020204" pitchFamily="34" charset="0"/>
-              <a:buChar char="•"/>
-            </a:pPr>
-            <a:r>
-              <a:rPr lang="hu-HU" sz="1400" dirty="0">
-                <a:solidFill>
-                  <a:schemeClr val="tx1"/>
-                </a:solidFill>
-              </a:rPr>
-              <a:t>Gyulai Bence Krisztián</a:t>
-            </a:r>
-          </a:p>
-          <a:p>
-            <a:pPr marL="742950" lvl="1" indent="-285750">
-              <a:buFont typeface="Arial" panose="020B0604020202020204" pitchFamily="34" charset="0"/>
-              <a:buChar char="•"/>
-            </a:pPr>
-            <a:r>
-              <a:rPr lang="hu-HU" sz="1400" dirty="0">
-                <a:solidFill>
-                  <a:schemeClr val="tx1"/>
-                </a:solidFill>
-              </a:rPr>
-              <a:t>Bérlés, regisztráció oldala</a:t>
-            </a:r>
-          </a:p>
-          <a:p>
-            <a:pPr marL="742950" lvl="1" indent="-285750">
-              <a:buFont typeface="Arial" panose="020B0604020202020204" pitchFamily="34" charset="0"/>
-              <a:buChar char="•"/>
-            </a:pPr>
-            <a:r>
-              <a:rPr lang="hu-HU" sz="1400" dirty="0">
-                <a:solidFill>
-                  <a:schemeClr val="tx1"/>
-                </a:solidFill>
-              </a:rPr>
-              <a:t> bejelentkezés oldala</a:t>
-            </a:r>
-            <a:endParaRPr lang="en-AU" sz="1400" dirty="0">
-              <a:solidFill>
-                <a:schemeClr val="tx1"/>
-              </a:solidFill>
-            </a:endParaRPr>
-          </a:p>
-        </p:txBody>
-      </p:sp>
+      </p:pic>
     </p:spTree>
     <p:extLst>
       <p:ext uri="{BB962C8B-B14F-4D97-AF65-F5344CB8AC3E}">
-        <p14:creationId xmlns:p14="http://schemas.microsoft.com/office/powerpoint/2010/main" val="3656373605"/>
+        <p14:creationId xmlns:p14="http://schemas.microsoft.com/office/powerpoint/2010/main" val="479005412"/>
       </p:ext>
     </p:extLst>
   </p:cSld>
@@ -9393,7 +9436,7 @@
           <p:cNvPr id="3" name="Tartalom helye 2">
             <a:extLst>
               <a:ext uri="{FF2B5EF4-FFF2-40B4-BE49-F238E27FC236}">
-                <a16:creationId xmlns:a16="http://schemas.microsoft.com/office/drawing/2014/main" id="{B7CF3A8C-57C7-9A0B-50E3-C51E20DD4BAF}"/>
+                <a16:creationId xmlns:a16="http://schemas.microsoft.com/office/drawing/2014/main" id="{3C900156-36F5-C762-B7CC-B32E2139A082}"/>
               </a:ext>
             </a:extLst>
           </p:cNvPr>
@@ -9406,7 +9449,7 @@
         </p:nvSpPr>
         <p:spPr>
           <a:xfrm>
-            <a:off x="506412" y="12700"/>
+            <a:off x="582612" y="0"/>
             <a:ext cx="5943601" cy="5308600"/>
           </a:xfrm>
         </p:spPr>
@@ -9423,43 +9466,13 @@
                   <a:schemeClr val="tx1"/>
                 </a:solidFill>
               </a:rPr>
-              <a:t>Feladatok </a:t>
-            </a:r>
-            <a:r>
-              <a:rPr lang="en-AU" sz="2800" dirty="0">
-                <a:solidFill>
-                  <a:schemeClr val="tx1"/>
-                </a:solidFill>
-              </a:rPr>
-              <a:t>–</a:t>
-            </a:r>
-            <a:r>
-              <a:rPr lang="hu-HU" sz="2800" dirty="0">
-                <a:solidFill>
-                  <a:schemeClr val="tx1"/>
-                </a:solidFill>
-              </a:rPr>
-              <a:t> Backend</a:t>
-            </a:r>
-          </a:p>
-          <a:p>
-            <a:pPr marL="0" indent="0">
-              <a:buNone/>
-            </a:pPr>
-            <a:r>
-              <a:rPr lang="hu-HU" sz="2800" dirty="0">
-                <a:solidFill>
-                  <a:schemeClr val="tx1"/>
-                </a:solidFill>
-              </a:rPr>
-              <a:t>(Gyulai Bence Krisztián)</a:t>
-            </a:r>
-          </a:p>
-          <a:p>
-            <a:pPr marL="0" indent="0">
-              <a:buNone/>
-            </a:pPr>
-            <a:endParaRPr lang="en-AU" dirty="0"/>
+              <a:t>Oldalak felépítése</a:t>
+            </a:r>
+            <a:endParaRPr lang="en-AU" sz="2800" dirty="0">
+              <a:solidFill>
+                <a:schemeClr val="tx1"/>
+              </a:solidFill>
+            </a:endParaRPr>
           </a:p>
         </p:txBody>
       </p:sp>
@@ -9468,7 +9481,7 @@
           <p:cNvPr id="4" name="Szöveg helye 3">
             <a:extLst>
               <a:ext uri="{FF2B5EF4-FFF2-40B4-BE49-F238E27FC236}">
-                <a16:creationId xmlns:a16="http://schemas.microsoft.com/office/drawing/2014/main" id="{D2B9B18E-0E98-A519-E0D7-ACC0F1FFC137}"/>
+                <a16:creationId xmlns:a16="http://schemas.microsoft.com/office/drawing/2014/main" id="{6A4869CA-C9AD-5A9A-50DE-CB3263EBE694}"/>
               </a:ext>
             </a:extLst>
           </p:cNvPr>
@@ -9481,12 +9494,14 @@
         </p:nvSpPr>
         <p:spPr>
           <a:xfrm>
-            <a:off x="7085012" y="2383366"/>
-            <a:ext cx="5106988" cy="4474634"/>
+            <a:off x="5394383" y="1365448"/>
+            <a:ext cx="5943602" cy="5308599"/>
           </a:xfrm>
         </p:spPr>
         <p:txBody>
-          <a:bodyPr/>
+          <a:bodyPr>
+            <a:normAutofit/>
+          </a:bodyPr>
           <a:lstStyle/>
           <a:p>
             <a:pPr marL="285750" indent="-285750">
@@ -9494,12 +9509,12 @@
               <a:buChar char="•"/>
             </a:pPr>
             <a:r>
-              <a:rPr lang="hu-HU" sz="1400" dirty="0">
-                <a:solidFill>
-                  <a:schemeClr val="tx1"/>
-                </a:solidFill>
-              </a:rPr>
-              <a:t>PHP</a:t>
+              <a:rPr lang="hu-HU" sz="2600" dirty="0">
+                <a:solidFill>
+                  <a:schemeClr val="tx1"/>
+                </a:solidFill>
+              </a:rPr>
+              <a:t>Frontend</a:t>
             </a:r>
           </a:p>
           <a:p>
@@ -9508,14 +9523,36 @@
               <a:buChar char="•"/>
             </a:pPr>
             <a:r>
-              <a:rPr lang="hu-HU" sz="1100" dirty="0" err="1">
-                <a:solidFill>
-                  <a:schemeClr val="tx1"/>
-                </a:solidFill>
-              </a:rPr>
-              <a:t>Login.php</a:t>
-            </a:r>
-            <a:endParaRPr lang="hu-HU" sz="1100" dirty="0">
+              <a:rPr lang="hu-HU" sz="2400" dirty="0">
+                <a:solidFill>
+                  <a:schemeClr val="tx1"/>
+                </a:solidFill>
+              </a:rPr>
+              <a:t>HTML</a:t>
+            </a:r>
+          </a:p>
+          <a:p>
+            <a:pPr marL="742950" lvl="1" indent="-285750">
+              <a:buFont typeface="Arial" panose="020B0604020202020204" pitchFamily="34" charset="0"/>
+              <a:buChar char="•"/>
+            </a:pPr>
+            <a:r>
+              <a:rPr lang="hu-HU" sz="2400" dirty="0">
+                <a:solidFill>
+                  <a:schemeClr val="tx1"/>
+                </a:solidFill>
+              </a:rPr>
+              <a:t>CSS, </a:t>
+            </a:r>
+            <a:r>
+              <a:rPr lang="hu-HU" sz="2400" dirty="0" err="1">
+                <a:solidFill>
+                  <a:schemeClr val="tx1"/>
+                </a:solidFill>
+              </a:rPr>
+              <a:t>Bootstrap</a:t>
+            </a:r>
+            <a:endParaRPr lang="hu-HU" sz="2400" dirty="0">
               <a:solidFill>
                 <a:schemeClr val="tx1"/>
               </a:solidFill>
@@ -9527,73 +9564,112 @@
               <a:buChar char="•"/>
             </a:pPr>
             <a:r>
-              <a:rPr lang="hu-HU" sz="1100" dirty="0" err="1">
-                <a:solidFill>
-                  <a:schemeClr val="tx1"/>
-                </a:solidFill>
-              </a:rPr>
-              <a:t>Register.php</a:t>
-            </a:r>
-            <a:endParaRPr lang="hu-HU" sz="1100" dirty="0">
+              <a:rPr lang="hu-HU" sz="2400" dirty="0">
+                <a:solidFill>
+                  <a:schemeClr val="tx1"/>
+                </a:solidFill>
+              </a:rPr>
+              <a:t>JavaScript  (</a:t>
+            </a:r>
+            <a:r>
+              <a:rPr lang="hu-HU" sz="2400" dirty="0" err="1">
+                <a:solidFill>
+                  <a:schemeClr val="tx1"/>
+                </a:solidFill>
+              </a:rPr>
+              <a:t>Angular</a:t>
+            </a:r>
+            <a:r>
+              <a:rPr lang="hu-HU" sz="2400" dirty="0">
+                <a:solidFill>
+                  <a:schemeClr val="tx1"/>
+                </a:solidFill>
+              </a:rPr>
+              <a:t>)</a:t>
+            </a:r>
+          </a:p>
+          <a:p>
+            <a:pPr lvl="1"/>
+            <a:endParaRPr lang="hu-HU" sz="2200" dirty="0">
               <a:solidFill>
                 <a:schemeClr val="tx1"/>
               </a:solidFill>
             </a:endParaRPr>
           </a:p>
           <a:p>
-            <a:endParaRPr lang="hu-HU" sz="1400" dirty="0">
+            <a:pPr marL="285750" indent="-285750">
+              <a:buFont typeface="Arial" panose="020B0604020202020204" pitchFamily="34" charset="0"/>
+              <a:buChar char="•"/>
+            </a:pPr>
+            <a:r>
+              <a:rPr lang="hu-HU" sz="2600" dirty="0">
+                <a:solidFill>
+                  <a:schemeClr val="tx1"/>
+                </a:solidFill>
+              </a:rPr>
+              <a:t>Backend</a:t>
+            </a:r>
+          </a:p>
+          <a:p>
+            <a:pPr marL="742950" lvl="1" indent="-285750">
+              <a:buFont typeface="Arial" panose="020B0604020202020204" pitchFamily="34" charset="0"/>
+              <a:buChar char="•"/>
+            </a:pPr>
+            <a:r>
+              <a:rPr lang="hu-HU" sz="2200" dirty="0">
+                <a:solidFill>
+                  <a:schemeClr val="tx1"/>
+                </a:solidFill>
+              </a:rPr>
+              <a:t>PHP</a:t>
+            </a:r>
+          </a:p>
+          <a:p>
+            <a:pPr marL="742950" lvl="1" indent="-285750">
+              <a:buFont typeface="Arial" panose="020B0604020202020204" pitchFamily="34" charset="0"/>
+              <a:buChar char="•"/>
+            </a:pPr>
+            <a:r>
+              <a:rPr lang="hu-HU" sz="2200" dirty="0" err="1">
+                <a:solidFill>
+                  <a:schemeClr val="tx1"/>
+                </a:solidFill>
+              </a:rPr>
+              <a:t>MySQL</a:t>
+            </a:r>
+            <a:endParaRPr lang="hu-HU" sz="2200" dirty="0">
               <a:solidFill>
                 <a:schemeClr val="tx1"/>
               </a:solidFill>
             </a:endParaRPr>
           </a:p>
           <a:p>
-            <a:pPr marL="285750" indent="-285750">
-              <a:buFont typeface="Arial" panose="020B0604020202020204" pitchFamily="34" charset="0"/>
-              <a:buChar char="•"/>
-            </a:pPr>
-            <a:r>
-              <a:rPr lang="hu-HU" sz="1400" dirty="0" err="1">
-                <a:solidFill>
-                  <a:schemeClr val="tx1"/>
-                </a:solidFill>
-              </a:rPr>
-              <a:t>Controller</a:t>
-            </a:r>
-            <a:endParaRPr lang="hu-HU" sz="1400" dirty="0">
-              <a:solidFill>
-                <a:schemeClr val="tx1"/>
-              </a:solidFill>
-            </a:endParaRPr>
-          </a:p>
-          <a:p>
             <a:pPr marL="742950" lvl="1" indent="-285750">
               <a:buFont typeface="Arial" panose="020B0604020202020204" pitchFamily="34" charset="0"/>
               <a:buChar char="•"/>
             </a:pPr>
             <a:r>
-              <a:rPr lang="hu-HU" sz="1100" dirty="0" err="1">
-                <a:solidFill>
-                  <a:schemeClr val="tx1"/>
-                </a:solidFill>
-              </a:rPr>
-              <a:t>Register</a:t>
-            </a:r>
-            <a:r>
-              <a:rPr lang="hu-HU" sz="1100" dirty="0">
-                <a:solidFill>
-                  <a:schemeClr val="tx1"/>
-                </a:solidFill>
-              </a:rPr>
-              <a:t> </a:t>
-            </a:r>
+              <a:rPr lang="hu-HU" sz="2200" dirty="0">
+                <a:solidFill>
+                  <a:schemeClr val="tx1"/>
+                </a:solidFill>
+              </a:rPr>
+              <a:t>JavaScript</a:t>
+            </a:r>
+          </a:p>
+          <a:p>
+            <a:pPr marL="628650" lvl="1" indent="-171450">
+              <a:buFont typeface="Wingdings" panose="05000000000000000000" pitchFamily="2" charset="2"/>
+              <a:buChar char="§"/>
+            </a:pPr>
+            <a:endParaRPr lang="hu-HU" dirty="0"/>
           </a:p>
         </p:txBody>
       </p:sp>
     </p:spTree>
     <p:extLst>
       <p:ext uri="{BB962C8B-B14F-4D97-AF65-F5344CB8AC3E}">
-        <p14:creationId xmlns:p14="http://schemas.microsoft.com/office/powerpoint/2010/main" val="3199671603"/>
+        <p14:creationId xmlns:p14="http://schemas.microsoft.com/office/powerpoint/2010/main" val="2975481561"/>
       </p:ext>
     </p:extLst>
   </p:cSld>
